--- a/slides.pptx
+++ b/slides.pptx
@@ -8,6 +8,7 @@
     <p:sldId id="256" r:id="rId2"/>
     <p:sldId id="257" r:id="rId3"/>
     <p:sldId id="258" r:id="rId4"/>
+    <p:sldId id="259" r:id="rId5"/>
   </p:sldIdLst>
   <p:sldSz cx="12192000" cy="6858000"/>
   <p:notesSz cx="6858000" cy="9144000"/>
@@ -263,7 +264,7 @@
           <a:p>
             <a:fld id="{37DF3E7B-C5EF-4235-8035-97545E241ECB}" type="datetimeFigureOut">
               <a:rPr lang="en-DE" smtClean="0"/>
-              <a:t>05/11/2019</a:t>
+              <a:t>05/01/2020</a:t>
             </a:fld>
             <a:endParaRPr lang="en-DE"/>
           </a:p>
@@ -463,7 +464,7 @@
           <a:p>
             <a:fld id="{37DF3E7B-C5EF-4235-8035-97545E241ECB}" type="datetimeFigureOut">
               <a:rPr lang="en-DE" smtClean="0"/>
-              <a:t>05/11/2019</a:t>
+              <a:t>05/01/2020</a:t>
             </a:fld>
             <a:endParaRPr lang="en-DE"/>
           </a:p>
@@ -673,7 +674,7 @@
           <a:p>
             <a:fld id="{37DF3E7B-C5EF-4235-8035-97545E241ECB}" type="datetimeFigureOut">
               <a:rPr lang="en-DE" smtClean="0"/>
-              <a:t>05/11/2019</a:t>
+              <a:t>05/01/2020</a:t>
             </a:fld>
             <a:endParaRPr lang="en-DE"/>
           </a:p>
@@ -873,7 +874,7 @@
           <a:p>
             <a:fld id="{37DF3E7B-C5EF-4235-8035-97545E241ECB}" type="datetimeFigureOut">
               <a:rPr lang="en-DE" smtClean="0"/>
-              <a:t>05/11/2019</a:t>
+              <a:t>05/01/2020</a:t>
             </a:fld>
             <a:endParaRPr lang="en-DE"/>
           </a:p>
@@ -1149,7 +1150,7 @@
           <a:p>
             <a:fld id="{37DF3E7B-C5EF-4235-8035-97545E241ECB}" type="datetimeFigureOut">
               <a:rPr lang="en-DE" smtClean="0"/>
-              <a:t>05/11/2019</a:t>
+              <a:t>05/01/2020</a:t>
             </a:fld>
             <a:endParaRPr lang="en-DE"/>
           </a:p>
@@ -1417,7 +1418,7 @@
           <a:p>
             <a:fld id="{37DF3E7B-C5EF-4235-8035-97545E241ECB}" type="datetimeFigureOut">
               <a:rPr lang="en-DE" smtClean="0"/>
-              <a:t>05/11/2019</a:t>
+              <a:t>05/01/2020</a:t>
             </a:fld>
             <a:endParaRPr lang="en-DE"/>
           </a:p>
@@ -1832,7 +1833,7 @@
           <a:p>
             <a:fld id="{37DF3E7B-C5EF-4235-8035-97545E241ECB}" type="datetimeFigureOut">
               <a:rPr lang="en-DE" smtClean="0"/>
-              <a:t>05/11/2019</a:t>
+              <a:t>05/01/2020</a:t>
             </a:fld>
             <a:endParaRPr lang="en-DE"/>
           </a:p>
@@ -1974,7 +1975,7 @@
           <a:p>
             <a:fld id="{37DF3E7B-C5EF-4235-8035-97545E241ECB}" type="datetimeFigureOut">
               <a:rPr lang="en-DE" smtClean="0"/>
-              <a:t>05/11/2019</a:t>
+              <a:t>05/01/2020</a:t>
             </a:fld>
             <a:endParaRPr lang="en-DE"/>
           </a:p>
@@ -2087,7 +2088,7 @@
           <a:p>
             <a:fld id="{37DF3E7B-C5EF-4235-8035-97545E241ECB}" type="datetimeFigureOut">
               <a:rPr lang="en-DE" smtClean="0"/>
-              <a:t>05/11/2019</a:t>
+              <a:t>05/01/2020</a:t>
             </a:fld>
             <a:endParaRPr lang="en-DE"/>
           </a:p>
@@ -2400,7 +2401,7 @@
           <a:p>
             <a:fld id="{37DF3E7B-C5EF-4235-8035-97545E241ECB}" type="datetimeFigureOut">
               <a:rPr lang="en-DE" smtClean="0"/>
-              <a:t>05/11/2019</a:t>
+              <a:t>05/01/2020</a:t>
             </a:fld>
             <a:endParaRPr lang="en-DE"/>
           </a:p>
@@ -2689,7 +2690,7 @@
           <a:p>
             <a:fld id="{37DF3E7B-C5EF-4235-8035-97545E241ECB}" type="datetimeFigureOut">
               <a:rPr lang="en-DE" smtClean="0"/>
-              <a:t>05/11/2019</a:t>
+              <a:t>05/01/2020</a:t>
             </a:fld>
             <a:endParaRPr lang="en-DE"/>
           </a:p>
@@ -2932,7 +2933,7 @@
           <a:p>
             <a:fld id="{37DF3E7B-C5EF-4235-8035-97545E241ECB}" type="datetimeFigureOut">
               <a:rPr lang="en-DE" smtClean="0"/>
-              <a:t>05/11/2019</a:t>
+              <a:t>05/01/2020</a:t>
             </a:fld>
             <a:endParaRPr lang="en-DE"/>
           </a:p>
@@ -8138,6 +8139,2639 @@
 </p:sld>
 </file>
 
+<file path=ppt/slides/slide4.xml><?xml version="1.0" encoding="utf-8"?>
+<p:sld xmlns:a="http://schemas.openxmlformats.org/drawingml/2006/main" xmlns:r="http://schemas.openxmlformats.org/officeDocument/2006/relationships" xmlns:p="http://schemas.openxmlformats.org/presentationml/2006/main">
+  <p:cSld>
+    <p:spTree>
+      <p:nvGrpSpPr>
+        <p:cNvPr id="1" name=""/>
+        <p:cNvGrpSpPr/>
+        <p:nvPr/>
+      </p:nvGrpSpPr>
+      <p:grpSpPr>
+        <a:xfrm>
+          <a:off x="0" y="0"/>
+          <a:ext cx="0" cy="0"/>
+          <a:chOff x="0" y="0"/>
+          <a:chExt cx="0" cy="0"/>
+        </a:xfrm>
+      </p:grpSpPr>
+      <p:cxnSp>
+        <p:nvCxnSpPr>
+          <p:cNvPr id="142" name="Straight Connector 141">
+            <a:extLst>
+              <a:ext uri="{FF2B5EF4-FFF2-40B4-BE49-F238E27FC236}">
+                <a16:creationId xmlns:a16="http://schemas.microsoft.com/office/drawing/2014/main" id="{383F66DE-C116-4B8E-BE3D-5124CCC86026}"/>
+              </a:ext>
+            </a:extLst>
+          </p:cNvPr>
+          <p:cNvCxnSpPr>
+            <a:cxnSpLocks/>
+          </p:cNvCxnSpPr>
+          <p:nvPr/>
+        </p:nvCxnSpPr>
+        <p:spPr>
+          <a:xfrm>
+            <a:off x="9774162" y="1300294"/>
+            <a:ext cx="0" cy="4000620"/>
+          </a:xfrm>
+          <a:prstGeom prst="line">
+            <a:avLst/>
+          </a:prstGeom>
+          <a:ln w="19050">
+            <a:solidFill>
+              <a:schemeClr val="bg2">
+                <a:lumMod val="75000"/>
+              </a:schemeClr>
+            </a:solidFill>
+            <a:prstDash val="dash"/>
+          </a:ln>
+        </p:spPr>
+        <p:style>
+          <a:lnRef idx="1">
+            <a:schemeClr val="accent1"/>
+          </a:lnRef>
+          <a:fillRef idx="0">
+            <a:schemeClr val="accent1"/>
+          </a:fillRef>
+          <a:effectRef idx="0">
+            <a:schemeClr val="accent1"/>
+          </a:effectRef>
+          <a:fontRef idx="minor">
+            <a:schemeClr val="tx1"/>
+          </a:fontRef>
+        </p:style>
+      </p:cxnSp>
+      <p:cxnSp>
+        <p:nvCxnSpPr>
+          <p:cNvPr id="87" name="Straight Connector 86">
+            <a:extLst>
+              <a:ext uri="{FF2B5EF4-FFF2-40B4-BE49-F238E27FC236}">
+                <a16:creationId xmlns:a16="http://schemas.microsoft.com/office/drawing/2014/main" id="{677D804C-716E-46AB-A1E5-E076B316BB53}"/>
+              </a:ext>
+            </a:extLst>
+          </p:cNvPr>
+          <p:cNvCxnSpPr>
+            <a:cxnSpLocks/>
+          </p:cNvCxnSpPr>
+          <p:nvPr/>
+        </p:nvCxnSpPr>
+        <p:spPr>
+          <a:xfrm>
+            <a:off x="6384919" y="3184290"/>
+            <a:ext cx="1860264" cy="1129864"/>
+          </a:xfrm>
+          <a:prstGeom prst="line">
+            <a:avLst/>
+          </a:prstGeom>
+          <a:ln w="19050">
+            <a:solidFill>
+              <a:schemeClr val="bg2">
+                <a:lumMod val="75000"/>
+              </a:schemeClr>
+            </a:solidFill>
+            <a:prstDash val="dash"/>
+            <a:tailEnd type="triangle"/>
+          </a:ln>
+        </p:spPr>
+        <p:style>
+          <a:lnRef idx="1">
+            <a:schemeClr val="accent1"/>
+          </a:lnRef>
+          <a:fillRef idx="0">
+            <a:schemeClr val="accent1"/>
+          </a:fillRef>
+          <a:effectRef idx="0">
+            <a:schemeClr val="accent1"/>
+          </a:effectRef>
+          <a:fontRef idx="minor">
+            <a:schemeClr val="tx1"/>
+          </a:fontRef>
+        </p:style>
+      </p:cxnSp>
+      <p:cxnSp>
+        <p:nvCxnSpPr>
+          <p:cNvPr id="98" name="Straight Connector 97">
+            <a:extLst>
+              <a:ext uri="{FF2B5EF4-FFF2-40B4-BE49-F238E27FC236}">
+                <a16:creationId xmlns:a16="http://schemas.microsoft.com/office/drawing/2014/main" id="{BB08AF29-3E60-46EC-8AE0-4879737B8C94}"/>
+              </a:ext>
+            </a:extLst>
+          </p:cNvPr>
+          <p:cNvCxnSpPr>
+            <a:cxnSpLocks/>
+          </p:cNvCxnSpPr>
+          <p:nvPr/>
+        </p:nvCxnSpPr>
+        <p:spPr>
+          <a:xfrm>
+            <a:off x="8537607" y="3184290"/>
+            <a:ext cx="1117130" cy="1145444"/>
+          </a:xfrm>
+          <a:prstGeom prst="line">
+            <a:avLst/>
+          </a:prstGeom>
+          <a:ln w="19050">
+            <a:solidFill>
+              <a:schemeClr val="bg2">
+                <a:lumMod val="75000"/>
+              </a:schemeClr>
+            </a:solidFill>
+            <a:prstDash val="dash"/>
+            <a:tailEnd type="triangle"/>
+          </a:ln>
+        </p:spPr>
+        <p:style>
+          <a:lnRef idx="1">
+            <a:schemeClr val="accent1"/>
+          </a:lnRef>
+          <a:fillRef idx="0">
+            <a:schemeClr val="accent1"/>
+          </a:fillRef>
+          <a:effectRef idx="0">
+            <a:schemeClr val="accent1"/>
+          </a:effectRef>
+          <a:fontRef idx="minor">
+            <a:schemeClr val="tx1"/>
+          </a:fontRef>
+        </p:style>
+      </p:cxnSp>
+      <p:cxnSp>
+        <p:nvCxnSpPr>
+          <p:cNvPr id="61" name="Straight Connector 60">
+            <a:extLst>
+              <a:ext uri="{FF2B5EF4-FFF2-40B4-BE49-F238E27FC236}">
+                <a16:creationId xmlns:a16="http://schemas.microsoft.com/office/drawing/2014/main" id="{DFB4DA4E-8B97-4021-98E5-78D096617D2C}"/>
+              </a:ext>
+            </a:extLst>
+          </p:cNvPr>
+          <p:cNvCxnSpPr>
+            <a:cxnSpLocks/>
+          </p:cNvCxnSpPr>
+          <p:nvPr/>
+        </p:nvCxnSpPr>
+        <p:spPr>
+          <a:xfrm>
+            <a:off x="2498298" y="1300294"/>
+            <a:ext cx="0" cy="4000620"/>
+          </a:xfrm>
+          <a:prstGeom prst="line">
+            <a:avLst/>
+          </a:prstGeom>
+          <a:ln w="19050">
+            <a:solidFill>
+              <a:schemeClr val="bg2">
+                <a:lumMod val="75000"/>
+              </a:schemeClr>
+            </a:solidFill>
+            <a:prstDash val="dash"/>
+          </a:ln>
+        </p:spPr>
+        <p:style>
+          <a:lnRef idx="1">
+            <a:schemeClr val="accent1"/>
+          </a:lnRef>
+          <a:fillRef idx="0">
+            <a:schemeClr val="accent1"/>
+          </a:fillRef>
+          <a:effectRef idx="0">
+            <a:schemeClr val="accent1"/>
+          </a:effectRef>
+          <a:fontRef idx="minor">
+            <a:schemeClr val="tx1"/>
+          </a:fontRef>
+        </p:style>
+      </p:cxnSp>
+      <p:cxnSp>
+        <p:nvCxnSpPr>
+          <p:cNvPr id="33" name="Straight Connector 32">
+            <a:extLst>
+              <a:ext uri="{FF2B5EF4-FFF2-40B4-BE49-F238E27FC236}">
+                <a16:creationId xmlns:a16="http://schemas.microsoft.com/office/drawing/2014/main" id="{D8A0E417-7BC5-4DA0-A378-23DB6E7B82F2}"/>
+              </a:ext>
+            </a:extLst>
+          </p:cNvPr>
+          <p:cNvCxnSpPr>
+            <a:cxnSpLocks/>
+          </p:cNvCxnSpPr>
+          <p:nvPr/>
+        </p:nvCxnSpPr>
+        <p:spPr>
+          <a:xfrm>
+            <a:off x="6241858" y="1300294"/>
+            <a:ext cx="0" cy="4000620"/>
+          </a:xfrm>
+          <a:prstGeom prst="line">
+            <a:avLst/>
+          </a:prstGeom>
+          <a:ln w="19050">
+            <a:solidFill>
+              <a:schemeClr val="bg2">
+                <a:lumMod val="75000"/>
+              </a:schemeClr>
+            </a:solidFill>
+            <a:prstDash val="dash"/>
+          </a:ln>
+        </p:spPr>
+        <p:style>
+          <a:lnRef idx="1">
+            <a:schemeClr val="accent1"/>
+          </a:lnRef>
+          <a:fillRef idx="0">
+            <a:schemeClr val="accent1"/>
+          </a:fillRef>
+          <a:effectRef idx="0">
+            <a:schemeClr val="accent1"/>
+          </a:effectRef>
+          <a:fontRef idx="minor">
+            <a:schemeClr val="tx1"/>
+          </a:fontRef>
+        </p:style>
+      </p:cxnSp>
+      <p:cxnSp>
+        <p:nvCxnSpPr>
+          <p:cNvPr id="39" name="Straight Connector 38">
+            <a:extLst>
+              <a:ext uri="{FF2B5EF4-FFF2-40B4-BE49-F238E27FC236}">
+                <a16:creationId xmlns:a16="http://schemas.microsoft.com/office/drawing/2014/main" id="{74D396AC-7849-45C6-B3BB-127DB76347CE}"/>
+              </a:ext>
+            </a:extLst>
+          </p:cNvPr>
+          <p:cNvCxnSpPr>
+            <a:cxnSpLocks/>
+          </p:cNvCxnSpPr>
+          <p:nvPr/>
+        </p:nvCxnSpPr>
+        <p:spPr>
+          <a:xfrm>
+            <a:off x="8397828" y="1300294"/>
+            <a:ext cx="0" cy="4000620"/>
+          </a:xfrm>
+          <a:prstGeom prst="line">
+            <a:avLst/>
+          </a:prstGeom>
+          <a:ln w="19050">
+            <a:solidFill>
+              <a:schemeClr val="bg2">
+                <a:lumMod val="75000"/>
+              </a:schemeClr>
+            </a:solidFill>
+            <a:prstDash val="dash"/>
+          </a:ln>
+        </p:spPr>
+        <p:style>
+          <a:lnRef idx="1">
+            <a:schemeClr val="accent1"/>
+          </a:lnRef>
+          <a:fillRef idx="0">
+            <a:schemeClr val="accent1"/>
+          </a:fillRef>
+          <a:effectRef idx="0">
+            <a:schemeClr val="accent1"/>
+          </a:effectRef>
+          <a:fontRef idx="minor">
+            <a:schemeClr val="tx1"/>
+          </a:fontRef>
+        </p:style>
+      </p:cxnSp>
+      <p:cxnSp>
+        <p:nvCxnSpPr>
+          <p:cNvPr id="32" name="Straight Connector 31">
+            <a:extLst>
+              <a:ext uri="{FF2B5EF4-FFF2-40B4-BE49-F238E27FC236}">
+                <a16:creationId xmlns:a16="http://schemas.microsoft.com/office/drawing/2014/main" id="{158A4A3E-2CC2-4677-9FD3-CDC4ECD6D0A9}"/>
+              </a:ext>
+            </a:extLst>
+          </p:cNvPr>
+          <p:cNvCxnSpPr>
+            <a:cxnSpLocks/>
+          </p:cNvCxnSpPr>
+          <p:nvPr/>
+        </p:nvCxnSpPr>
+        <p:spPr>
+          <a:xfrm>
+            <a:off x="3640821" y="1300294"/>
+            <a:ext cx="0" cy="4000620"/>
+          </a:xfrm>
+          <a:prstGeom prst="line">
+            <a:avLst/>
+          </a:prstGeom>
+          <a:ln w="19050">
+            <a:solidFill>
+              <a:schemeClr val="bg2">
+                <a:lumMod val="75000"/>
+              </a:schemeClr>
+            </a:solidFill>
+            <a:prstDash val="dash"/>
+          </a:ln>
+        </p:spPr>
+        <p:style>
+          <a:lnRef idx="1">
+            <a:schemeClr val="accent1"/>
+          </a:lnRef>
+          <a:fillRef idx="0">
+            <a:schemeClr val="accent1"/>
+          </a:fillRef>
+          <a:effectRef idx="0">
+            <a:schemeClr val="accent1"/>
+          </a:effectRef>
+          <a:fontRef idx="minor">
+            <a:schemeClr val="tx1"/>
+          </a:fontRef>
+        </p:style>
+      </p:cxnSp>
+      <p:cxnSp>
+        <p:nvCxnSpPr>
+          <p:cNvPr id="4" name="Straight Arrow Connector 3">
+            <a:extLst>
+              <a:ext uri="{FF2B5EF4-FFF2-40B4-BE49-F238E27FC236}">
+                <a16:creationId xmlns:a16="http://schemas.microsoft.com/office/drawing/2014/main" id="{31A19EB6-FBA0-412A-9833-663B60A56465}"/>
+              </a:ext>
+            </a:extLst>
+          </p:cNvPr>
+          <p:cNvCxnSpPr>
+            <a:cxnSpLocks/>
+          </p:cNvCxnSpPr>
+          <p:nvPr/>
+        </p:nvCxnSpPr>
+        <p:spPr>
+          <a:xfrm>
+            <a:off x="1995230" y="1557082"/>
+            <a:ext cx="8298062" cy="0"/>
+          </a:xfrm>
+          <a:prstGeom prst="straightConnector1">
+            <a:avLst/>
+          </a:prstGeom>
+          <a:ln w="19050">
+            <a:solidFill>
+              <a:schemeClr val="tx1"/>
+            </a:solidFill>
+            <a:tailEnd type="triangle" w="lg" len="lg"/>
+          </a:ln>
+        </p:spPr>
+        <p:style>
+          <a:lnRef idx="1">
+            <a:schemeClr val="accent1"/>
+          </a:lnRef>
+          <a:fillRef idx="0">
+            <a:schemeClr val="accent1"/>
+          </a:fillRef>
+          <a:effectRef idx="0">
+            <a:schemeClr val="accent1"/>
+          </a:effectRef>
+          <a:fontRef idx="minor">
+            <a:schemeClr val="tx1"/>
+          </a:fontRef>
+        </p:style>
+      </p:cxnSp>
+      <p:cxnSp>
+        <p:nvCxnSpPr>
+          <p:cNvPr id="5" name="Straight Connector 4">
+            <a:extLst>
+              <a:ext uri="{FF2B5EF4-FFF2-40B4-BE49-F238E27FC236}">
+                <a16:creationId xmlns:a16="http://schemas.microsoft.com/office/drawing/2014/main" id="{88A5C513-F0A4-44CA-B06D-9231C71E7582}"/>
+              </a:ext>
+            </a:extLst>
+          </p:cNvPr>
+          <p:cNvCxnSpPr>
+            <a:cxnSpLocks/>
+          </p:cNvCxnSpPr>
+          <p:nvPr/>
+        </p:nvCxnSpPr>
+        <p:spPr>
+          <a:xfrm>
+            <a:off x="7140918" y="1401715"/>
+            <a:ext cx="0" cy="295705"/>
+          </a:xfrm>
+          <a:prstGeom prst="line">
+            <a:avLst/>
+          </a:prstGeom>
+          <a:ln w="19050">
+            <a:solidFill>
+              <a:schemeClr val="tx1"/>
+            </a:solidFill>
+          </a:ln>
+        </p:spPr>
+        <p:style>
+          <a:lnRef idx="1">
+            <a:schemeClr val="accent1"/>
+          </a:lnRef>
+          <a:fillRef idx="0">
+            <a:schemeClr val="accent1"/>
+          </a:fillRef>
+          <a:effectRef idx="0">
+            <a:schemeClr val="accent1"/>
+          </a:effectRef>
+          <a:fontRef idx="minor">
+            <a:schemeClr val="tx1"/>
+          </a:fontRef>
+        </p:style>
+      </p:cxnSp>
+      <p:sp>
+        <p:nvSpPr>
+          <p:cNvPr id="7" name="Oval 6">
+            <a:extLst>
+              <a:ext uri="{FF2B5EF4-FFF2-40B4-BE49-F238E27FC236}">
+                <a16:creationId xmlns:a16="http://schemas.microsoft.com/office/drawing/2014/main" id="{54533FD1-A2F0-4D7D-964F-496D940FAF8A}"/>
+              </a:ext>
+            </a:extLst>
+          </p:cNvPr>
+          <p:cNvSpPr/>
+          <p:nvPr/>
+        </p:nvSpPr>
+        <p:spPr>
+          <a:xfrm>
+            <a:off x="2172719" y="1401714"/>
+            <a:ext cx="295705" cy="295705"/>
+          </a:xfrm>
+          <a:prstGeom prst="ellipse">
+            <a:avLst/>
+          </a:prstGeom>
+          <a:ln w="28575"/>
+        </p:spPr>
+        <p:style>
+          <a:lnRef idx="2">
+            <a:schemeClr val="accent1">
+              <a:shade val="50000"/>
+            </a:schemeClr>
+          </a:lnRef>
+          <a:fillRef idx="1">
+            <a:schemeClr val="accent1"/>
+          </a:fillRef>
+          <a:effectRef idx="0">
+            <a:schemeClr val="accent1"/>
+          </a:effectRef>
+          <a:fontRef idx="minor">
+            <a:schemeClr val="lt1"/>
+          </a:fontRef>
+        </p:style>
+        <p:txBody>
+          <a:bodyPr rtlCol="0" anchor="ctr"/>
+          <a:lstStyle/>
+          <a:p>
+            <a:pPr algn="ctr"/>
+            <a:r>
+              <a:rPr lang="en-US" dirty="0"/>
+              <a:t>a</a:t>
+            </a:r>
+            <a:endParaRPr lang="en-DE" dirty="0"/>
+          </a:p>
+        </p:txBody>
+      </p:sp>
+      <p:sp>
+        <p:nvSpPr>
+          <p:cNvPr id="8" name="Oval 7">
+            <a:extLst>
+              <a:ext uri="{FF2B5EF4-FFF2-40B4-BE49-F238E27FC236}">
+                <a16:creationId xmlns:a16="http://schemas.microsoft.com/office/drawing/2014/main" id="{3583B8AD-38C6-459C-BCE8-F145DDD9ECBD}"/>
+              </a:ext>
+            </a:extLst>
+          </p:cNvPr>
+          <p:cNvSpPr/>
+          <p:nvPr/>
+        </p:nvSpPr>
+        <p:spPr>
+          <a:xfrm>
+            <a:off x="2734782" y="1409229"/>
+            <a:ext cx="295705" cy="295705"/>
+          </a:xfrm>
+          <a:prstGeom prst="ellipse">
+            <a:avLst/>
+          </a:prstGeom>
+          <a:ln w="28575"/>
+        </p:spPr>
+        <p:style>
+          <a:lnRef idx="2">
+            <a:schemeClr val="accent1">
+              <a:shade val="50000"/>
+            </a:schemeClr>
+          </a:lnRef>
+          <a:fillRef idx="1">
+            <a:schemeClr val="accent1"/>
+          </a:fillRef>
+          <a:effectRef idx="0">
+            <a:schemeClr val="accent1"/>
+          </a:effectRef>
+          <a:fontRef idx="minor">
+            <a:schemeClr val="lt1"/>
+          </a:fontRef>
+        </p:style>
+        <p:txBody>
+          <a:bodyPr rtlCol="0" anchor="ctr"/>
+          <a:lstStyle/>
+          <a:p>
+            <a:pPr algn="ctr"/>
+            <a:r>
+              <a:rPr lang="en-US" dirty="0"/>
+              <a:t>b</a:t>
+            </a:r>
+            <a:endParaRPr lang="en-DE" dirty="0"/>
+          </a:p>
+        </p:txBody>
+      </p:sp>
+      <p:sp>
+        <p:nvSpPr>
+          <p:cNvPr id="9" name="Oval 8">
+            <a:extLst>
+              <a:ext uri="{FF2B5EF4-FFF2-40B4-BE49-F238E27FC236}">
+                <a16:creationId xmlns:a16="http://schemas.microsoft.com/office/drawing/2014/main" id="{542959D8-C494-42B8-97A4-2C06A30968CD}"/>
+              </a:ext>
+            </a:extLst>
+          </p:cNvPr>
+          <p:cNvSpPr/>
+          <p:nvPr/>
+        </p:nvSpPr>
+        <p:spPr>
+          <a:xfrm>
+            <a:off x="3088834" y="1409229"/>
+            <a:ext cx="295705" cy="295705"/>
+          </a:xfrm>
+          <a:prstGeom prst="ellipse">
+            <a:avLst/>
+          </a:prstGeom>
+          <a:ln w="28575"/>
+        </p:spPr>
+        <p:style>
+          <a:lnRef idx="2">
+            <a:schemeClr val="accent1">
+              <a:shade val="50000"/>
+            </a:schemeClr>
+          </a:lnRef>
+          <a:fillRef idx="1">
+            <a:schemeClr val="accent1"/>
+          </a:fillRef>
+          <a:effectRef idx="0">
+            <a:schemeClr val="accent1"/>
+          </a:effectRef>
+          <a:fontRef idx="minor">
+            <a:schemeClr val="lt1"/>
+          </a:fontRef>
+        </p:style>
+        <p:txBody>
+          <a:bodyPr rtlCol="0" anchor="ctr"/>
+          <a:lstStyle/>
+          <a:p>
+            <a:pPr algn="ctr"/>
+            <a:r>
+              <a:rPr lang="en-GB" dirty="0"/>
+              <a:t>c</a:t>
+            </a:r>
+            <a:endParaRPr lang="en-DE" dirty="0"/>
+          </a:p>
+        </p:txBody>
+      </p:sp>
+      <p:sp>
+        <p:nvSpPr>
+          <p:cNvPr id="10" name="Oval 9">
+            <a:extLst>
+              <a:ext uri="{FF2B5EF4-FFF2-40B4-BE49-F238E27FC236}">
+                <a16:creationId xmlns:a16="http://schemas.microsoft.com/office/drawing/2014/main" id="{D1934F47-45C2-4A85-892E-7041790A3912}"/>
+              </a:ext>
+            </a:extLst>
+          </p:cNvPr>
+          <p:cNvSpPr/>
+          <p:nvPr/>
+        </p:nvSpPr>
+        <p:spPr>
+          <a:xfrm>
+            <a:off x="3956595" y="1409229"/>
+            <a:ext cx="295705" cy="295705"/>
+          </a:xfrm>
+          <a:prstGeom prst="ellipse">
+            <a:avLst/>
+          </a:prstGeom>
+          <a:ln w="28575"/>
+        </p:spPr>
+        <p:style>
+          <a:lnRef idx="2">
+            <a:schemeClr val="accent1">
+              <a:shade val="50000"/>
+            </a:schemeClr>
+          </a:lnRef>
+          <a:fillRef idx="1">
+            <a:schemeClr val="accent1"/>
+          </a:fillRef>
+          <a:effectRef idx="0">
+            <a:schemeClr val="accent1"/>
+          </a:effectRef>
+          <a:fontRef idx="minor">
+            <a:schemeClr val="lt1"/>
+          </a:fontRef>
+        </p:style>
+        <p:txBody>
+          <a:bodyPr rtlCol="0" anchor="ctr"/>
+          <a:lstStyle/>
+          <a:p>
+            <a:pPr algn="ctr"/>
+            <a:r>
+              <a:rPr lang="en-US" dirty="0"/>
+              <a:t>d</a:t>
+            </a:r>
+            <a:endParaRPr lang="en-DE" dirty="0"/>
+          </a:p>
+        </p:txBody>
+      </p:sp>
+      <p:sp>
+        <p:nvSpPr>
+          <p:cNvPr id="11" name="Oval 10">
+            <a:extLst>
+              <a:ext uri="{FF2B5EF4-FFF2-40B4-BE49-F238E27FC236}">
+                <a16:creationId xmlns:a16="http://schemas.microsoft.com/office/drawing/2014/main" id="{6E170BAF-721F-4A9D-AEA9-4F8CB4A4F135}"/>
+              </a:ext>
+            </a:extLst>
+          </p:cNvPr>
+          <p:cNvSpPr/>
+          <p:nvPr/>
+        </p:nvSpPr>
+        <p:spPr>
+          <a:xfrm>
+            <a:off x="4508965" y="1409229"/>
+            <a:ext cx="295705" cy="295705"/>
+          </a:xfrm>
+          <a:prstGeom prst="ellipse">
+            <a:avLst/>
+          </a:prstGeom>
+          <a:ln w="28575"/>
+        </p:spPr>
+        <p:style>
+          <a:lnRef idx="2">
+            <a:schemeClr val="accent1">
+              <a:shade val="50000"/>
+            </a:schemeClr>
+          </a:lnRef>
+          <a:fillRef idx="1">
+            <a:schemeClr val="accent1"/>
+          </a:fillRef>
+          <a:effectRef idx="0">
+            <a:schemeClr val="accent1"/>
+          </a:effectRef>
+          <a:fontRef idx="minor">
+            <a:schemeClr val="lt1"/>
+          </a:fontRef>
+        </p:style>
+        <p:txBody>
+          <a:bodyPr rtlCol="0" anchor="ctr"/>
+          <a:lstStyle/>
+          <a:p>
+            <a:pPr algn="ctr"/>
+            <a:r>
+              <a:rPr lang="en-US" dirty="0"/>
+              <a:t>e</a:t>
+            </a:r>
+            <a:endParaRPr lang="en-DE" dirty="0"/>
+          </a:p>
+        </p:txBody>
+      </p:sp>
+      <p:sp>
+        <p:nvSpPr>
+          <p:cNvPr id="12" name="Oval 11">
+            <a:extLst>
+              <a:ext uri="{FF2B5EF4-FFF2-40B4-BE49-F238E27FC236}">
+                <a16:creationId xmlns:a16="http://schemas.microsoft.com/office/drawing/2014/main" id="{D19B2295-0507-44D7-B5B0-FA3119BAEA28}"/>
+              </a:ext>
+            </a:extLst>
+          </p:cNvPr>
+          <p:cNvSpPr/>
+          <p:nvPr/>
+        </p:nvSpPr>
+        <p:spPr>
+          <a:xfrm>
+            <a:off x="5414470" y="1409229"/>
+            <a:ext cx="295705" cy="295705"/>
+          </a:xfrm>
+          <a:prstGeom prst="ellipse">
+            <a:avLst/>
+          </a:prstGeom>
+          <a:ln w="28575"/>
+        </p:spPr>
+        <p:style>
+          <a:lnRef idx="2">
+            <a:schemeClr val="accent1">
+              <a:shade val="50000"/>
+            </a:schemeClr>
+          </a:lnRef>
+          <a:fillRef idx="1">
+            <a:schemeClr val="accent1"/>
+          </a:fillRef>
+          <a:effectRef idx="0">
+            <a:schemeClr val="accent1"/>
+          </a:effectRef>
+          <a:fontRef idx="minor">
+            <a:schemeClr val="lt1"/>
+          </a:fontRef>
+        </p:style>
+        <p:txBody>
+          <a:bodyPr rtlCol="0" anchor="ctr"/>
+          <a:lstStyle/>
+          <a:p>
+            <a:pPr algn="ctr"/>
+            <a:r>
+              <a:rPr lang="en-US" dirty="0"/>
+              <a:t>f</a:t>
+            </a:r>
+            <a:endParaRPr lang="en-DE" dirty="0"/>
+          </a:p>
+        </p:txBody>
+      </p:sp>
+      <p:sp>
+        <p:nvSpPr>
+          <p:cNvPr id="13" name="Oval 12">
+            <a:extLst>
+              <a:ext uri="{FF2B5EF4-FFF2-40B4-BE49-F238E27FC236}">
+                <a16:creationId xmlns:a16="http://schemas.microsoft.com/office/drawing/2014/main" id="{5D538EBB-2B10-4F7B-BBFE-A44823C1BBD2}"/>
+              </a:ext>
+            </a:extLst>
+          </p:cNvPr>
+          <p:cNvSpPr/>
+          <p:nvPr/>
+        </p:nvSpPr>
+        <p:spPr>
+          <a:xfrm>
+            <a:off x="6430084" y="1409229"/>
+            <a:ext cx="295705" cy="295705"/>
+          </a:xfrm>
+          <a:prstGeom prst="ellipse">
+            <a:avLst/>
+          </a:prstGeom>
+          <a:ln w="28575"/>
+        </p:spPr>
+        <p:style>
+          <a:lnRef idx="2">
+            <a:schemeClr val="accent1">
+              <a:shade val="50000"/>
+            </a:schemeClr>
+          </a:lnRef>
+          <a:fillRef idx="1">
+            <a:schemeClr val="accent1"/>
+          </a:fillRef>
+          <a:effectRef idx="0">
+            <a:schemeClr val="accent1"/>
+          </a:effectRef>
+          <a:fontRef idx="minor">
+            <a:schemeClr val="lt1"/>
+          </a:fontRef>
+        </p:style>
+        <p:txBody>
+          <a:bodyPr rtlCol="0" anchor="ctr"/>
+          <a:lstStyle/>
+          <a:p>
+            <a:pPr algn="ctr"/>
+            <a:r>
+              <a:rPr lang="en-US" dirty="0"/>
+              <a:t>g</a:t>
+            </a:r>
+            <a:endParaRPr lang="en-DE" dirty="0"/>
+          </a:p>
+        </p:txBody>
+      </p:sp>
+      <p:cxnSp>
+        <p:nvCxnSpPr>
+          <p:cNvPr id="14" name="Straight Arrow Connector 13">
+            <a:extLst>
+              <a:ext uri="{FF2B5EF4-FFF2-40B4-BE49-F238E27FC236}">
+                <a16:creationId xmlns:a16="http://schemas.microsoft.com/office/drawing/2014/main" id="{A0DD1D10-3FDE-486C-9B0B-14F6B2C67A5C}"/>
+              </a:ext>
+            </a:extLst>
+          </p:cNvPr>
+          <p:cNvCxnSpPr>
+            <a:cxnSpLocks/>
+          </p:cNvCxnSpPr>
+          <p:nvPr/>
+        </p:nvCxnSpPr>
+        <p:spPr>
+          <a:xfrm>
+            <a:off x="1995230" y="3184290"/>
+            <a:ext cx="8298062" cy="0"/>
+          </a:xfrm>
+          <a:prstGeom prst="straightConnector1">
+            <a:avLst/>
+          </a:prstGeom>
+          <a:ln w="19050">
+            <a:solidFill>
+              <a:schemeClr val="tx1"/>
+            </a:solidFill>
+            <a:tailEnd type="triangle" w="lg" len="lg"/>
+          </a:ln>
+        </p:spPr>
+        <p:style>
+          <a:lnRef idx="1">
+            <a:schemeClr val="accent1"/>
+          </a:lnRef>
+          <a:fillRef idx="0">
+            <a:schemeClr val="accent1"/>
+          </a:fillRef>
+          <a:effectRef idx="0">
+            <a:schemeClr val="accent1"/>
+          </a:effectRef>
+          <a:fontRef idx="minor">
+            <a:schemeClr val="tx1"/>
+          </a:fontRef>
+        </p:style>
+      </p:cxnSp>
+      <p:cxnSp>
+        <p:nvCxnSpPr>
+          <p:cNvPr id="15" name="Straight Connector 14">
+            <a:extLst>
+              <a:ext uri="{FF2B5EF4-FFF2-40B4-BE49-F238E27FC236}">
+                <a16:creationId xmlns:a16="http://schemas.microsoft.com/office/drawing/2014/main" id="{424B0448-45E7-4B14-809F-642A41259E6C}"/>
+              </a:ext>
+            </a:extLst>
+          </p:cNvPr>
+          <p:cNvCxnSpPr>
+            <a:cxnSpLocks/>
+          </p:cNvCxnSpPr>
+          <p:nvPr/>
+        </p:nvCxnSpPr>
+        <p:spPr>
+          <a:xfrm>
+            <a:off x="9078773" y="3028920"/>
+            <a:ext cx="0" cy="295705"/>
+          </a:xfrm>
+          <a:prstGeom prst="line">
+            <a:avLst/>
+          </a:prstGeom>
+          <a:ln w="19050">
+            <a:solidFill>
+              <a:schemeClr val="tx1"/>
+            </a:solidFill>
+          </a:ln>
+        </p:spPr>
+        <p:style>
+          <a:lnRef idx="1">
+            <a:schemeClr val="accent1"/>
+          </a:lnRef>
+          <a:fillRef idx="0">
+            <a:schemeClr val="accent1"/>
+          </a:fillRef>
+          <a:effectRef idx="0">
+            <a:schemeClr val="accent1"/>
+          </a:effectRef>
+          <a:fontRef idx="minor">
+            <a:schemeClr val="tx1"/>
+          </a:fontRef>
+        </p:style>
+      </p:cxnSp>
+      <p:cxnSp>
+        <p:nvCxnSpPr>
+          <p:cNvPr id="17" name="Straight Arrow Connector 16">
+            <a:extLst>
+              <a:ext uri="{FF2B5EF4-FFF2-40B4-BE49-F238E27FC236}">
+                <a16:creationId xmlns:a16="http://schemas.microsoft.com/office/drawing/2014/main" id="{CE305EA1-3299-4C0E-9863-471DF3BCC005}"/>
+              </a:ext>
+            </a:extLst>
+          </p:cNvPr>
+          <p:cNvCxnSpPr>
+            <a:cxnSpLocks/>
+          </p:cNvCxnSpPr>
+          <p:nvPr/>
+        </p:nvCxnSpPr>
+        <p:spPr>
+          <a:xfrm>
+            <a:off x="2079060" y="4933797"/>
+            <a:ext cx="8298062" cy="31158"/>
+          </a:xfrm>
+          <a:prstGeom prst="straightConnector1">
+            <a:avLst/>
+          </a:prstGeom>
+          <a:ln w="19050">
+            <a:solidFill>
+              <a:schemeClr val="tx1"/>
+            </a:solidFill>
+            <a:tailEnd type="triangle" w="lg" len="lg"/>
+          </a:ln>
+        </p:spPr>
+        <p:style>
+          <a:lnRef idx="1">
+            <a:schemeClr val="accent1"/>
+          </a:lnRef>
+          <a:fillRef idx="0">
+            <a:schemeClr val="accent1"/>
+          </a:fillRef>
+          <a:effectRef idx="0">
+            <a:schemeClr val="accent1"/>
+          </a:effectRef>
+          <a:fontRef idx="minor">
+            <a:schemeClr val="tx1"/>
+          </a:fontRef>
+        </p:style>
+      </p:cxnSp>
+      <p:cxnSp>
+        <p:nvCxnSpPr>
+          <p:cNvPr id="18" name="Straight Connector 17">
+            <a:extLst>
+              <a:ext uri="{FF2B5EF4-FFF2-40B4-BE49-F238E27FC236}">
+                <a16:creationId xmlns:a16="http://schemas.microsoft.com/office/drawing/2014/main" id="{05D6FBA0-A923-4FDA-B4F0-9E4FF4DE8FA3}"/>
+              </a:ext>
+            </a:extLst>
+          </p:cNvPr>
+          <p:cNvCxnSpPr>
+            <a:cxnSpLocks/>
+          </p:cNvCxnSpPr>
+          <p:nvPr/>
+        </p:nvCxnSpPr>
+        <p:spPr>
+          <a:xfrm>
+            <a:off x="9776306" y="4817102"/>
+            <a:ext cx="0" cy="295705"/>
+          </a:xfrm>
+          <a:prstGeom prst="line">
+            <a:avLst/>
+          </a:prstGeom>
+          <a:ln w="19050">
+            <a:solidFill>
+              <a:schemeClr val="tx1"/>
+            </a:solidFill>
+          </a:ln>
+        </p:spPr>
+        <p:style>
+          <a:lnRef idx="1">
+            <a:schemeClr val="accent1"/>
+          </a:lnRef>
+          <a:fillRef idx="0">
+            <a:schemeClr val="accent1"/>
+          </a:fillRef>
+          <a:effectRef idx="0">
+            <a:schemeClr val="accent1"/>
+          </a:effectRef>
+          <a:fontRef idx="minor">
+            <a:schemeClr val="tx1"/>
+          </a:fontRef>
+        </p:style>
+      </p:cxnSp>
+      <p:cxnSp>
+        <p:nvCxnSpPr>
+          <p:cNvPr id="44" name="Straight Connector 43">
+            <a:extLst>
+              <a:ext uri="{FF2B5EF4-FFF2-40B4-BE49-F238E27FC236}">
+                <a16:creationId xmlns:a16="http://schemas.microsoft.com/office/drawing/2014/main" id="{DDF23F83-7505-4999-8B17-8B2ED05DEF02}"/>
+              </a:ext>
+            </a:extLst>
+          </p:cNvPr>
+          <p:cNvCxnSpPr>
+            <a:cxnSpLocks/>
+          </p:cNvCxnSpPr>
+          <p:nvPr/>
+        </p:nvCxnSpPr>
+        <p:spPr>
+          <a:xfrm>
+            <a:off x="2656448" y="3184290"/>
+            <a:ext cx="836521" cy="1129865"/>
+          </a:xfrm>
+          <a:prstGeom prst="line">
+            <a:avLst/>
+          </a:prstGeom>
+          <a:ln w="19050">
+            <a:solidFill>
+              <a:schemeClr val="bg2">
+                <a:lumMod val="75000"/>
+              </a:schemeClr>
+            </a:solidFill>
+            <a:prstDash val="dash"/>
+            <a:tailEnd type="triangle"/>
+          </a:ln>
+        </p:spPr>
+        <p:style>
+          <a:lnRef idx="1">
+            <a:schemeClr val="accent1"/>
+          </a:lnRef>
+          <a:fillRef idx="0">
+            <a:schemeClr val="accent1"/>
+          </a:fillRef>
+          <a:effectRef idx="0">
+            <a:schemeClr val="accent1"/>
+          </a:effectRef>
+          <a:fontRef idx="minor">
+            <a:schemeClr val="tx1"/>
+          </a:fontRef>
+        </p:style>
+      </p:cxnSp>
+      <p:sp>
+        <p:nvSpPr>
+          <p:cNvPr id="57" name="Rectangle 56">
+            <a:extLst>
+              <a:ext uri="{FF2B5EF4-FFF2-40B4-BE49-F238E27FC236}">
+                <a16:creationId xmlns:a16="http://schemas.microsoft.com/office/drawing/2014/main" id="{5E0A6AD0-A39C-40E4-8FDE-C7C211658E1E}"/>
+              </a:ext>
+            </a:extLst>
+          </p:cNvPr>
+          <p:cNvSpPr/>
+          <p:nvPr/>
+        </p:nvSpPr>
+        <p:spPr>
+          <a:xfrm>
+            <a:off x="1965690" y="2132532"/>
+            <a:ext cx="8298058" cy="449717"/>
+          </a:xfrm>
+          <a:prstGeom prst="rect">
+            <a:avLst/>
+          </a:prstGeom>
+          <a:solidFill>
+            <a:schemeClr val="bg2"/>
+          </a:solidFill>
+          <a:ln>
+            <a:solidFill>
+              <a:schemeClr val="bg2"/>
+            </a:solidFill>
+          </a:ln>
+        </p:spPr>
+        <p:style>
+          <a:lnRef idx="2">
+            <a:schemeClr val="accent1">
+              <a:shade val="50000"/>
+            </a:schemeClr>
+          </a:lnRef>
+          <a:fillRef idx="1">
+            <a:schemeClr val="accent1"/>
+          </a:fillRef>
+          <a:effectRef idx="0">
+            <a:schemeClr val="accent1"/>
+          </a:effectRef>
+          <a:fontRef idx="minor">
+            <a:schemeClr val="lt1"/>
+          </a:fontRef>
+        </p:style>
+        <p:txBody>
+          <a:bodyPr rtlCol="0" anchor="ctr"/>
+          <a:lstStyle/>
+          <a:p>
+            <a:pPr algn="ctr"/>
+            <a:r>
+              <a:rPr lang="en-US" dirty="0" err="1">
+                <a:solidFill>
+                  <a:schemeClr val="tx1"/>
+                </a:solidFill>
+              </a:rPr>
+              <a:t>batchBackpressure</a:t>
+            </a:r>
+            <a:endParaRPr lang="en-DE" dirty="0">
+              <a:solidFill>
+                <a:schemeClr val="tx1"/>
+              </a:solidFill>
+            </a:endParaRPr>
+          </a:p>
+        </p:txBody>
+      </p:sp>
+      <p:sp>
+        <p:nvSpPr>
+          <p:cNvPr id="64" name="TextBox 63">
+            <a:extLst>
+              <a:ext uri="{FF2B5EF4-FFF2-40B4-BE49-F238E27FC236}">
+                <a16:creationId xmlns:a16="http://schemas.microsoft.com/office/drawing/2014/main" id="{74A174CB-9688-4B1D-849F-A41104786321}"/>
+              </a:ext>
+            </a:extLst>
+          </p:cNvPr>
+          <p:cNvSpPr txBox="1"/>
+          <p:nvPr/>
+        </p:nvSpPr>
+        <p:spPr>
+          <a:xfrm>
+            <a:off x="1287376" y="1409229"/>
+            <a:ext cx="669350" cy="307777"/>
+          </a:xfrm>
+          <a:prstGeom prst="rect">
+            <a:avLst/>
+          </a:prstGeom>
+          <a:noFill/>
+        </p:spPr>
+        <p:txBody>
+          <a:bodyPr wrap="none" rtlCol="0">
+            <a:spAutoFit/>
+          </a:bodyPr>
+          <a:lstStyle/>
+          <a:p>
+            <a:r>
+              <a:rPr lang="en-US" sz="1400" dirty="0"/>
+              <a:t>source</a:t>
+            </a:r>
+            <a:endParaRPr lang="en-DE" sz="1400" dirty="0"/>
+          </a:p>
+        </p:txBody>
+      </p:sp>
+      <p:sp>
+        <p:nvSpPr>
+          <p:cNvPr id="65" name="TextBox 64">
+            <a:extLst>
+              <a:ext uri="{FF2B5EF4-FFF2-40B4-BE49-F238E27FC236}">
+                <a16:creationId xmlns:a16="http://schemas.microsoft.com/office/drawing/2014/main" id="{1572600C-F135-47F3-9C09-6F94EABD4469}"/>
+              </a:ext>
+            </a:extLst>
+          </p:cNvPr>
+          <p:cNvSpPr txBox="1"/>
+          <p:nvPr/>
+        </p:nvSpPr>
+        <p:spPr>
+          <a:xfrm>
+            <a:off x="1287376" y="3022883"/>
+            <a:ext cx="592791" cy="307777"/>
+          </a:xfrm>
+          <a:prstGeom prst="rect">
+            <a:avLst/>
+          </a:prstGeom>
+          <a:noFill/>
+        </p:spPr>
+        <p:txBody>
+          <a:bodyPr wrap="none" rtlCol="0">
+            <a:spAutoFit/>
+          </a:bodyPr>
+          <a:lstStyle/>
+          <a:p>
+            <a:r>
+              <a:rPr lang="en-US" sz="1400" dirty="0"/>
+              <a:t>batch</a:t>
+            </a:r>
+            <a:endParaRPr lang="en-DE" sz="1400" dirty="0"/>
+          </a:p>
+        </p:txBody>
+      </p:sp>
+      <p:sp>
+        <p:nvSpPr>
+          <p:cNvPr id="66" name="TextBox 65">
+            <a:extLst>
+              <a:ext uri="{FF2B5EF4-FFF2-40B4-BE49-F238E27FC236}">
+                <a16:creationId xmlns:a16="http://schemas.microsoft.com/office/drawing/2014/main" id="{BC9F7EB9-90BA-4245-A1A8-27783BAD5D07}"/>
+              </a:ext>
+            </a:extLst>
+          </p:cNvPr>
+          <p:cNvSpPr txBox="1"/>
+          <p:nvPr/>
+        </p:nvSpPr>
+        <p:spPr>
+          <a:xfrm>
+            <a:off x="1287376" y="4779908"/>
+            <a:ext cx="602281" cy="307777"/>
+          </a:xfrm>
+          <a:prstGeom prst="rect">
+            <a:avLst/>
+          </a:prstGeom>
+          <a:noFill/>
+        </p:spPr>
+        <p:txBody>
+          <a:bodyPr wrap="none" rtlCol="0">
+            <a:spAutoFit/>
+          </a:bodyPr>
+          <a:lstStyle/>
+          <a:p>
+            <a:r>
+              <a:rPr lang="en-US" sz="1400" dirty="0"/>
+              <a:t>result</a:t>
+            </a:r>
+            <a:endParaRPr lang="en-DE" sz="1400" dirty="0"/>
+          </a:p>
+        </p:txBody>
+      </p:sp>
+      <p:sp>
+        <p:nvSpPr>
+          <p:cNvPr id="70" name="Oval 69">
+            <a:extLst>
+              <a:ext uri="{FF2B5EF4-FFF2-40B4-BE49-F238E27FC236}">
+                <a16:creationId xmlns:a16="http://schemas.microsoft.com/office/drawing/2014/main" id="{BD70EF53-B458-4305-A827-D27A325F1FBD}"/>
+              </a:ext>
+            </a:extLst>
+          </p:cNvPr>
+          <p:cNvSpPr/>
+          <p:nvPr/>
+        </p:nvSpPr>
+        <p:spPr>
+          <a:xfrm>
+            <a:off x="2511404" y="3028918"/>
+            <a:ext cx="295705" cy="295705"/>
+          </a:xfrm>
+          <a:prstGeom prst="ellipse">
+            <a:avLst/>
+          </a:prstGeom>
+          <a:solidFill>
+            <a:schemeClr val="accent4"/>
+          </a:solidFill>
+          <a:ln w="28575">
+            <a:solidFill>
+              <a:schemeClr val="accent4">
+                <a:lumMod val="75000"/>
+              </a:schemeClr>
+            </a:solidFill>
+          </a:ln>
+        </p:spPr>
+        <p:style>
+          <a:lnRef idx="2">
+            <a:schemeClr val="accent1">
+              <a:shade val="50000"/>
+            </a:schemeClr>
+          </a:lnRef>
+          <a:fillRef idx="1">
+            <a:schemeClr val="accent1"/>
+          </a:fillRef>
+          <a:effectRef idx="0">
+            <a:schemeClr val="accent1"/>
+          </a:effectRef>
+          <a:fontRef idx="minor">
+            <a:schemeClr val="lt1"/>
+          </a:fontRef>
+        </p:style>
+        <p:txBody>
+          <a:bodyPr rtlCol="0" anchor="ctr"/>
+          <a:lstStyle/>
+          <a:p>
+            <a:pPr algn="ctr"/>
+            <a:r>
+              <a:rPr lang="en-US" dirty="0"/>
+              <a:t>A</a:t>
+            </a:r>
+            <a:endParaRPr lang="en-DE" dirty="0"/>
+          </a:p>
+        </p:txBody>
+      </p:sp>
+      <p:sp>
+        <p:nvSpPr>
+          <p:cNvPr id="72" name="Oval 71">
+            <a:extLst>
+              <a:ext uri="{FF2B5EF4-FFF2-40B4-BE49-F238E27FC236}">
+                <a16:creationId xmlns:a16="http://schemas.microsoft.com/office/drawing/2014/main" id="{EDE53BEE-75D9-4AD8-9872-9B59F475D2B3}"/>
+              </a:ext>
+            </a:extLst>
+          </p:cNvPr>
+          <p:cNvSpPr/>
+          <p:nvPr/>
+        </p:nvSpPr>
+        <p:spPr>
+          <a:xfrm>
+            <a:off x="3345116" y="4156637"/>
+            <a:ext cx="295705" cy="295705"/>
+          </a:xfrm>
+          <a:prstGeom prst="ellipse">
+            <a:avLst/>
+          </a:prstGeom>
+          <a:solidFill>
+            <a:schemeClr val="accent6"/>
+          </a:solidFill>
+          <a:ln w="28575">
+            <a:solidFill>
+              <a:schemeClr val="accent6">
+                <a:lumMod val="75000"/>
+              </a:schemeClr>
+            </a:solidFill>
+          </a:ln>
+        </p:spPr>
+        <p:style>
+          <a:lnRef idx="2">
+            <a:schemeClr val="accent1">
+              <a:shade val="50000"/>
+            </a:schemeClr>
+          </a:lnRef>
+          <a:fillRef idx="1">
+            <a:schemeClr val="accent1"/>
+          </a:fillRef>
+          <a:effectRef idx="0">
+            <a:schemeClr val="accent1"/>
+          </a:effectRef>
+          <a:fontRef idx="minor">
+            <a:schemeClr val="lt1"/>
+          </a:fontRef>
+        </p:style>
+        <p:txBody>
+          <a:bodyPr rtlCol="0" anchor="ctr"/>
+          <a:lstStyle/>
+          <a:p>
+            <a:pPr algn="ctr"/>
+            <a:r>
+              <a:rPr lang="en-US" dirty="0"/>
+              <a:t>A</a:t>
+            </a:r>
+            <a:endParaRPr lang="en-DE" dirty="0"/>
+          </a:p>
+        </p:txBody>
+      </p:sp>
+      <p:sp>
+        <p:nvSpPr>
+          <p:cNvPr id="78" name="TextBox 77">
+            <a:extLst>
+              <a:ext uri="{FF2B5EF4-FFF2-40B4-BE49-F238E27FC236}">
+                <a16:creationId xmlns:a16="http://schemas.microsoft.com/office/drawing/2014/main" id="{8CD0434D-22EC-4BEF-8868-FC4CD930802D}"/>
+              </a:ext>
+            </a:extLst>
+          </p:cNvPr>
+          <p:cNvSpPr txBox="1"/>
+          <p:nvPr/>
+        </p:nvSpPr>
+        <p:spPr>
+          <a:xfrm>
+            <a:off x="2469140" y="2735248"/>
+            <a:ext cx="380232" cy="307777"/>
+          </a:xfrm>
+          <a:prstGeom prst="rect">
+            <a:avLst/>
+          </a:prstGeom>
+          <a:noFill/>
+        </p:spPr>
+        <p:txBody>
+          <a:bodyPr wrap="none" rtlCol="0">
+            <a:spAutoFit/>
+          </a:bodyPr>
+          <a:lstStyle/>
+          <a:p>
+            <a:r>
+              <a:rPr lang="en-US" sz="1400" dirty="0"/>
+              <a:t>[a]</a:t>
+            </a:r>
+            <a:endParaRPr lang="en-DE" sz="1400" dirty="0"/>
+          </a:p>
+        </p:txBody>
+      </p:sp>
+      <p:cxnSp>
+        <p:nvCxnSpPr>
+          <p:cNvPr id="79" name="Straight Connector 78">
+            <a:extLst>
+              <a:ext uri="{FF2B5EF4-FFF2-40B4-BE49-F238E27FC236}">
+                <a16:creationId xmlns:a16="http://schemas.microsoft.com/office/drawing/2014/main" id="{EE7A4F95-0708-4E2A-B0A1-55B1863D3E84}"/>
+              </a:ext>
+            </a:extLst>
+          </p:cNvPr>
+          <p:cNvCxnSpPr>
+            <a:cxnSpLocks/>
+          </p:cNvCxnSpPr>
+          <p:nvPr/>
+        </p:nvCxnSpPr>
+        <p:spPr>
+          <a:xfrm>
+            <a:off x="3783881" y="3184290"/>
+            <a:ext cx="2305333" cy="1129865"/>
+          </a:xfrm>
+          <a:prstGeom prst="line">
+            <a:avLst/>
+          </a:prstGeom>
+          <a:ln w="19050">
+            <a:solidFill>
+              <a:schemeClr val="bg2">
+                <a:lumMod val="75000"/>
+              </a:schemeClr>
+            </a:solidFill>
+            <a:prstDash val="dash"/>
+            <a:tailEnd type="triangle"/>
+          </a:ln>
+        </p:spPr>
+        <p:style>
+          <a:lnRef idx="1">
+            <a:schemeClr val="accent1"/>
+          </a:lnRef>
+          <a:fillRef idx="0">
+            <a:schemeClr val="accent1"/>
+          </a:fillRef>
+          <a:effectRef idx="0">
+            <a:schemeClr val="accent1"/>
+          </a:effectRef>
+          <a:fontRef idx="minor">
+            <a:schemeClr val="tx1"/>
+          </a:fontRef>
+        </p:style>
+      </p:cxnSp>
+      <p:sp>
+        <p:nvSpPr>
+          <p:cNvPr id="80" name="Oval 79">
+            <a:extLst>
+              <a:ext uri="{FF2B5EF4-FFF2-40B4-BE49-F238E27FC236}">
+                <a16:creationId xmlns:a16="http://schemas.microsoft.com/office/drawing/2014/main" id="{F8EF225F-3A10-4141-9009-A1F51657D262}"/>
+              </a:ext>
+            </a:extLst>
+          </p:cNvPr>
+          <p:cNvSpPr/>
+          <p:nvPr/>
+        </p:nvSpPr>
+        <p:spPr>
+          <a:xfrm>
+            <a:off x="3640821" y="3009845"/>
+            <a:ext cx="295705" cy="295705"/>
+          </a:xfrm>
+          <a:prstGeom prst="ellipse">
+            <a:avLst/>
+          </a:prstGeom>
+          <a:solidFill>
+            <a:schemeClr val="accent4"/>
+          </a:solidFill>
+          <a:ln w="28575">
+            <a:solidFill>
+              <a:schemeClr val="accent4">
+                <a:lumMod val="75000"/>
+              </a:schemeClr>
+            </a:solidFill>
+          </a:ln>
+        </p:spPr>
+        <p:style>
+          <a:lnRef idx="2">
+            <a:schemeClr val="accent1">
+              <a:shade val="50000"/>
+            </a:schemeClr>
+          </a:lnRef>
+          <a:fillRef idx="1">
+            <a:schemeClr val="accent1"/>
+          </a:fillRef>
+          <a:effectRef idx="0">
+            <a:schemeClr val="accent1"/>
+          </a:effectRef>
+          <a:fontRef idx="minor">
+            <a:schemeClr val="lt1"/>
+          </a:fontRef>
+        </p:style>
+        <p:txBody>
+          <a:bodyPr rtlCol="0" anchor="ctr"/>
+          <a:lstStyle/>
+          <a:p>
+            <a:pPr algn="ctr"/>
+            <a:r>
+              <a:rPr lang="en-US" dirty="0"/>
+              <a:t>B</a:t>
+            </a:r>
+            <a:endParaRPr lang="en-DE" dirty="0"/>
+          </a:p>
+        </p:txBody>
+      </p:sp>
+      <p:sp>
+        <p:nvSpPr>
+          <p:cNvPr id="81" name="Oval 80">
+            <a:extLst>
+              <a:ext uri="{FF2B5EF4-FFF2-40B4-BE49-F238E27FC236}">
+                <a16:creationId xmlns:a16="http://schemas.microsoft.com/office/drawing/2014/main" id="{C7C1D2A3-A7B5-4545-9BE2-0A7753C65664}"/>
+              </a:ext>
+            </a:extLst>
+          </p:cNvPr>
+          <p:cNvSpPr/>
+          <p:nvPr/>
+        </p:nvSpPr>
+        <p:spPr>
+          <a:xfrm>
+            <a:off x="5941362" y="4166302"/>
+            <a:ext cx="295705" cy="295705"/>
+          </a:xfrm>
+          <a:prstGeom prst="ellipse">
+            <a:avLst/>
+          </a:prstGeom>
+          <a:solidFill>
+            <a:schemeClr val="accent6"/>
+          </a:solidFill>
+          <a:ln w="28575">
+            <a:solidFill>
+              <a:schemeClr val="accent6">
+                <a:lumMod val="75000"/>
+              </a:schemeClr>
+            </a:solidFill>
+          </a:ln>
+        </p:spPr>
+        <p:style>
+          <a:lnRef idx="2">
+            <a:schemeClr val="accent1">
+              <a:shade val="50000"/>
+            </a:schemeClr>
+          </a:lnRef>
+          <a:fillRef idx="1">
+            <a:schemeClr val="accent1"/>
+          </a:fillRef>
+          <a:effectRef idx="0">
+            <a:schemeClr val="accent1"/>
+          </a:effectRef>
+          <a:fontRef idx="minor">
+            <a:schemeClr val="lt1"/>
+          </a:fontRef>
+        </p:style>
+        <p:txBody>
+          <a:bodyPr rtlCol="0" anchor="ctr"/>
+          <a:lstStyle/>
+          <a:p>
+            <a:pPr algn="ctr"/>
+            <a:r>
+              <a:rPr lang="en-US" dirty="0"/>
+              <a:t>B</a:t>
+            </a:r>
+            <a:endParaRPr lang="en-DE" dirty="0"/>
+          </a:p>
+        </p:txBody>
+      </p:sp>
+      <p:sp>
+        <p:nvSpPr>
+          <p:cNvPr id="83" name="TextBox 82">
+            <a:extLst>
+              <a:ext uri="{FF2B5EF4-FFF2-40B4-BE49-F238E27FC236}">
+                <a16:creationId xmlns:a16="http://schemas.microsoft.com/office/drawing/2014/main" id="{82F6BEDE-F28E-4988-A9AC-4E989A6237AE}"/>
+              </a:ext>
+            </a:extLst>
+          </p:cNvPr>
+          <p:cNvSpPr txBox="1"/>
+          <p:nvPr/>
+        </p:nvSpPr>
+        <p:spPr>
+          <a:xfrm>
+            <a:off x="3606987" y="2735248"/>
+            <a:ext cx="548548" cy="307777"/>
+          </a:xfrm>
+          <a:prstGeom prst="rect">
+            <a:avLst/>
+          </a:prstGeom>
+          <a:noFill/>
+        </p:spPr>
+        <p:txBody>
+          <a:bodyPr wrap="none" rtlCol="0">
+            <a:spAutoFit/>
+          </a:bodyPr>
+          <a:lstStyle/>
+          <a:p>
+            <a:r>
+              <a:rPr lang="en-US" sz="1400" dirty="0"/>
+              <a:t>[b, c]</a:t>
+            </a:r>
+            <a:endParaRPr lang="en-DE" sz="1400" dirty="0"/>
+          </a:p>
+        </p:txBody>
+      </p:sp>
+      <p:sp>
+        <p:nvSpPr>
+          <p:cNvPr id="85" name="Oval 84">
+            <a:extLst>
+              <a:ext uri="{FF2B5EF4-FFF2-40B4-BE49-F238E27FC236}">
+                <a16:creationId xmlns:a16="http://schemas.microsoft.com/office/drawing/2014/main" id="{30D8E7F1-3F5F-49DF-B8DF-8D8B3679D2A8}"/>
+              </a:ext>
+            </a:extLst>
+          </p:cNvPr>
+          <p:cNvSpPr/>
+          <p:nvPr/>
+        </p:nvSpPr>
+        <p:spPr>
+          <a:xfrm>
+            <a:off x="6237066" y="3009845"/>
+            <a:ext cx="295705" cy="295705"/>
+          </a:xfrm>
+          <a:prstGeom prst="ellipse">
+            <a:avLst/>
+          </a:prstGeom>
+          <a:solidFill>
+            <a:schemeClr val="accent4"/>
+          </a:solidFill>
+          <a:ln w="28575">
+            <a:solidFill>
+              <a:schemeClr val="accent4">
+                <a:lumMod val="75000"/>
+              </a:schemeClr>
+            </a:solidFill>
+          </a:ln>
+        </p:spPr>
+        <p:style>
+          <a:lnRef idx="2">
+            <a:schemeClr val="accent1">
+              <a:shade val="50000"/>
+            </a:schemeClr>
+          </a:lnRef>
+          <a:fillRef idx="1">
+            <a:schemeClr val="accent1"/>
+          </a:fillRef>
+          <a:effectRef idx="0">
+            <a:schemeClr val="accent1"/>
+          </a:effectRef>
+          <a:fontRef idx="minor">
+            <a:schemeClr val="lt1"/>
+          </a:fontRef>
+        </p:style>
+        <p:txBody>
+          <a:bodyPr rtlCol="0" anchor="ctr"/>
+          <a:lstStyle/>
+          <a:p>
+            <a:pPr algn="ctr"/>
+            <a:r>
+              <a:rPr lang="en-US" dirty="0"/>
+              <a:t>C</a:t>
+            </a:r>
+            <a:endParaRPr lang="en-DE" dirty="0"/>
+          </a:p>
+        </p:txBody>
+      </p:sp>
+      <p:sp>
+        <p:nvSpPr>
+          <p:cNvPr id="86" name="Oval 85">
+            <a:extLst>
+              <a:ext uri="{FF2B5EF4-FFF2-40B4-BE49-F238E27FC236}">
+                <a16:creationId xmlns:a16="http://schemas.microsoft.com/office/drawing/2014/main" id="{297DFD9F-1BF0-456B-BC63-8B44715534A2}"/>
+              </a:ext>
+            </a:extLst>
+          </p:cNvPr>
+          <p:cNvSpPr/>
+          <p:nvPr/>
+        </p:nvSpPr>
+        <p:spPr>
+          <a:xfrm>
+            <a:off x="8102123" y="4166302"/>
+            <a:ext cx="276767" cy="295705"/>
+          </a:xfrm>
+          <a:prstGeom prst="ellipse">
+            <a:avLst/>
+          </a:prstGeom>
+          <a:solidFill>
+            <a:schemeClr val="accent6"/>
+          </a:solidFill>
+          <a:ln w="28575">
+            <a:solidFill>
+              <a:schemeClr val="accent6">
+                <a:lumMod val="75000"/>
+              </a:schemeClr>
+            </a:solidFill>
+          </a:ln>
+        </p:spPr>
+        <p:style>
+          <a:lnRef idx="2">
+            <a:schemeClr val="accent1">
+              <a:shade val="50000"/>
+            </a:schemeClr>
+          </a:lnRef>
+          <a:fillRef idx="1">
+            <a:schemeClr val="accent1"/>
+          </a:fillRef>
+          <a:effectRef idx="0">
+            <a:schemeClr val="accent1"/>
+          </a:effectRef>
+          <a:fontRef idx="minor">
+            <a:schemeClr val="lt1"/>
+          </a:fontRef>
+        </p:style>
+        <p:txBody>
+          <a:bodyPr rtlCol="0" anchor="ctr"/>
+          <a:lstStyle/>
+          <a:p>
+            <a:pPr algn="ctr"/>
+            <a:r>
+              <a:rPr lang="en-US" dirty="0"/>
+              <a:t>C</a:t>
+            </a:r>
+            <a:endParaRPr lang="en-DE" dirty="0"/>
+          </a:p>
+        </p:txBody>
+      </p:sp>
+      <p:sp>
+        <p:nvSpPr>
+          <p:cNvPr id="90" name="TextBox 89">
+            <a:extLst>
+              <a:ext uri="{FF2B5EF4-FFF2-40B4-BE49-F238E27FC236}">
+                <a16:creationId xmlns:a16="http://schemas.microsoft.com/office/drawing/2014/main" id="{AE9AE540-57E2-4C62-B921-105BDBCD0623}"/>
+              </a:ext>
+            </a:extLst>
+          </p:cNvPr>
+          <p:cNvSpPr txBox="1"/>
+          <p:nvPr/>
+        </p:nvSpPr>
+        <p:spPr>
+          <a:xfrm>
+            <a:off x="6228091" y="2735248"/>
+            <a:ext cx="702436" cy="307777"/>
+          </a:xfrm>
+          <a:prstGeom prst="rect">
+            <a:avLst/>
+          </a:prstGeom>
+          <a:noFill/>
+        </p:spPr>
+        <p:txBody>
+          <a:bodyPr wrap="none" rtlCol="0">
+            <a:spAutoFit/>
+          </a:bodyPr>
+          <a:lstStyle/>
+          <a:p>
+            <a:r>
+              <a:rPr lang="en-US" sz="1400" dirty="0"/>
+              <a:t>[d, e, f]</a:t>
+            </a:r>
+            <a:endParaRPr lang="en-DE" sz="1400" dirty="0"/>
+          </a:p>
+        </p:txBody>
+      </p:sp>
+      <p:sp>
+        <p:nvSpPr>
+          <p:cNvPr id="92" name="Oval 91">
+            <a:extLst>
+              <a:ext uri="{FF2B5EF4-FFF2-40B4-BE49-F238E27FC236}">
+                <a16:creationId xmlns:a16="http://schemas.microsoft.com/office/drawing/2014/main" id="{7533D90E-7484-448B-81A8-A9875865A909}"/>
+              </a:ext>
+            </a:extLst>
+          </p:cNvPr>
+          <p:cNvSpPr/>
+          <p:nvPr/>
+        </p:nvSpPr>
+        <p:spPr>
+          <a:xfrm>
+            <a:off x="8397828" y="3009845"/>
+            <a:ext cx="295705" cy="295705"/>
+          </a:xfrm>
+          <a:prstGeom prst="ellipse">
+            <a:avLst/>
+          </a:prstGeom>
+          <a:solidFill>
+            <a:schemeClr val="accent4"/>
+          </a:solidFill>
+          <a:ln w="28575">
+            <a:solidFill>
+              <a:schemeClr val="accent4">
+                <a:lumMod val="75000"/>
+              </a:schemeClr>
+            </a:solidFill>
+          </a:ln>
+        </p:spPr>
+        <p:style>
+          <a:lnRef idx="2">
+            <a:schemeClr val="accent1">
+              <a:shade val="50000"/>
+            </a:schemeClr>
+          </a:lnRef>
+          <a:fillRef idx="1">
+            <a:schemeClr val="accent1"/>
+          </a:fillRef>
+          <a:effectRef idx="0">
+            <a:schemeClr val="accent1"/>
+          </a:effectRef>
+          <a:fontRef idx="minor">
+            <a:schemeClr val="lt1"/>
+          </a:fontRef>
+        </p:style>
+        <p:txBody>
+          <a:bodyPr rtlCol="0" anchor="ctr"/>
+          <a:lstStyle/>
+          <a:p>
+            <a:pPr algn="ctr"/>
+            <a:r>
+              <a:rPr lang="en-US" dirty="0"/>
+              <a:t>D</a:t>
+            </a:r>
+            <a:endParaRPr lang="en-DE" dirty="0"/>
+          </a:p>
+        </p:txBody>
+      </p:sp>
+      <p:sp>
+        <p:nvSpPr>
+          <p:cNvPr id="97" name="Oval 96">
+            <a:extLst>
+              <a:ext uri="{FF2B5EF4-FFF2-40B4-BE49-F238E27FC236}">
+                <a16:creationId xmlns:a16="http://schemas.microsoft.com/office/drawing/2014/main" id="{538E3A76-1648-4227-97B4-F490D67C1BF7}"/>
+              </a:ext>
+            </a:extLst>
+          </p:cNvPr>
+          <p:cNvSpPr/>
+          <p:nvPr/>
+        </p:nvSpPr>
+        <p:spPr>
+          <a:xfrm>
+            <a:off x="9478457" y="4166302"/>
+            <a:ext cx="295705" cy="295705"/>
+          </a:xfrm>
+          <a:prstGeom prst="ellipse">
+            <a:avLst/>
+          </a:prstGeom>
+          <a:solidFill>
+            <a:schemeClr val="accent6"/>
+          </a:solidFill>
+          <a:ln w="28575">
+            <a:solidFill>
+              <a:schemeClr val="accent6">
+                <a:lumMod val="75000"/>
+              </a:schemeClr>
+            </a:solidFill>
+          </a:ln>
+        </p:spPr>
+        <p:style>
+          <a:lnRef idx="2">
+            <a:schemeClr val="accent1">
+              <a:shade val="50000"/>
+            </a:schemeClr>
+          </a:lnRef>
+          <a:fillRef idx="1">
+            <a:schemeClr val="accent1"/>
+          </a:fillRef>
+          <a:effectRef idx="0">
+            <a:schemeClr val="accent1"/>
+          </a:effectRef>
+          <a:fontRef idx="minor">
+            <a:schemeClr val="lt1"/>
+          </a:fontRef>
+        </p:style>
+        <p:txBody>
+          <a:bodyPr rtlCol="0" anchor="ctr"/>
+          <a:lstStyle/>
+          <a:p>
+            <a:pPr algn="ctr"/>
+            <a:r>
+              <a:rPr lang="en-US" dirty="0"/>
+              <a:t>D</a:t>
+            </a:r>
+            <a:endParaRPr lang="en-DE" dirty="0"/>
+          </a:p>
+        </p:txBody>
+      </p:sp>
+      <p:sp>
+        <p:nvSpPr>
+          <p:cNvPr id="120" name="Oval 119">
+            <a:extLst>
+              <a:ext uri="{FF2B5EF4-FFF2-40B4-BE49-F238E27FC236}">
+                <a16:creationId xmlns:a16="http://schemas.microsoft.com/office/drawing/2014/main" id="{1EC2E9BF-6CBB-4C71-A354-90533E6C8414}"/>
+              </a:ext>
+            </a:extLst>
+          </p:cNvPr>
+          <p:cNvSpPr/>
+          <p:nvPr/>
+        </p:nvSpPr>
+        <p:spPr>
+          <a:xfrm>
+            <a:off x="2826443" y="3445741"/>
+            <a:ext cx="295705" cy="295705"/>
+          </a:xfrm>
+          <a:prstGeom prst="ellipse">
+            <a:avLst/>
+          </a:prstGeom>
+          <a:solidFill>
+            <a:schemeClr val="accent6"/>
+          </a:solidFill>
+          <a:ln w="28575">
+            <a:solidFill>
+              <a:schemeClr val="accent6">
+                <a:lumMod val="75000"/>
+              </a:schemeClr>
+            </a:solidFill>
+          </a:ln>
+        </p:spPr>
+        <p:style>
+          <a:lnRef idx="2">
+            <a:schemeClr val="accent1">
+              <a:shade val="50000"/>
+            </a:schemeClr>
+          </a:lnRef>
+          <a:fillRef idx="1">
+            <a:schemeClr val="accent1"/>
+          </a:fillRef>
+          <a:effectRef idx="0">
+            <a:schemeClr val="accent1"/>
+          </a:effectRef>
+          <a:fontRef idx="minor">
+            <a:schemeClr val="lt1"/>
+          </a:fontRef>
+        </p:style>
+        <p:txBody>
+          <a:bodyPr rtlCol="0" anchor="ctr"/>
+          <a:lstStyle/>
+          <a:p>
+            <a:pPr algn="ctr"/>
+            <a:r>
+              <a:rPr lang="en-US" dirty="0"/>
+              <a:t>A</a:t>
+            </a:r>
+            <a:endParaRPr lang="en-DE" dirty="0"/>
+          </a:p>
+        </p:txBody>
+      </p:sp>
+      <p:sp>
+        <p:nvSpPr>
+          <p:cNvPr id="121" name="Oval 120">
+            <a:extLst>
+              <a:ext uri="{FF2B5EF4-FFF2-40B4-BE49-F238E27FC236}">
+                <a16:creationId xmlns:a16="http://schemas.microsoft.com/office/drawing/2014/main" id="{2183D180-8B90-4C02-B848-1037CFADF196}"/>
+              </a:ext>
+            </a:extLst>
+          </p:cNvPr>
+          <p:cNvSpPr/>
+          <p:nvPr/>
+        </p:nvSpPr>
+        <p:spPr>
+          <a:xfrm>
+            <a:off x="3079274" y="3802584"/>
+            <a:ext cx="295705" cy="295705"/>
+          </a:xfrm>
+          <a:prstGeom prst="ellipse">
+            <a:avLst/>
+          </a:prstGeom>
+          <a:solidFill>
+            <a:schemeClr val="accent6"/>
+          </a:solidFill>
+          <a:ln w="28575">
+            <a:solidFill>
+              <a:schemeClr val="accent6">
+                <a:lumMod val="75000"/>
+              </a:schemeClr>
+            </a:solidFill>
+          </a:ln>
+        </p:spPr>
+        <p:style>
+          <a:lnRef idx="2">
+            <a:schemeClr val="accent1">
+              <a:shade val="50000"/>
+            </a:schemeClr>
+          </a:lnRef>
+          <a:fillRef idx="1">
+            <a:schemeClr val="accent1"/>
+          </a:fillRef>
+          <a:effectRef idx="0">
+            <a:schemeClr val="accent1"/>
+          </a:effectRef>
+          <a:fontRef idx="minor">
+            <a:schemeClr val="lt1"/>
+          </a:fontRef>
+        </p:style>
+        <p:txBody>
+          <a:bodyPr rtlCol="0" anchor="ctr"/>
+          <a:lstStyle/>
+          <a:p>
+            <a:pPr algn="ctr"/>
+            <a:r>
+              <a:rPr lang="en-US" dirty="0"/>
+              <a:t>A</a:t>
+            </a:r>
+            <a:endParaRPr lang="en-DE" dirty="0"/>
+          </a:p>
+        </p:txBody>
+      </p:sp>
+      <p:sp>
+        <p:nvSpPr>
+          <p:cNvPr id="122" name="Oval 121">
+            <a:extLst>
+              <a:ext uri="{FF2B5EF4-FFF2-40B4-BE49-F238E27FC236}">
+                <a16:creationId xmlns:a16="http://schemas.microsoft.com/office/drawing/2014/main" id="{3D040886-9F81-460D-8B7C-39E7C951F5BC}"/>
+              </a:ext>
+            </a:extLst>
+          </p:cNvPr>
+          <p:cNvSpPr/>
+          <p:nvPr/>
+        </p:nvSpPr>
+        <p:spPr>
+          <a:xfrm>
+            <a:off x="7188532" y="3618056"/>
+            <a:ext cx="276767" cy="295705"/>
+          </a:xfrm>
+          <a:prstGeom prst="ellipse">
+            <a:avLst/>
+          </a:prstGeom>
+          <a:solidFill>
+            <a:schemeClr val="accent6"/>
+          </a:solidFill>
+          <a:ln w="28575">
+            <a:solidFill>
+              <a:schemeClr val="accent6">
+                <a:lumMod val="75000"/>
+              </a:schemeClr>
+            </a:solidFill>
+          </a:ln>
+        </p:spPr>
+        <p:style>
+          <a:lnRef idx="2">
+            <a:schemeClr val="accent1">
+              <a:shade val="50000"/>
+            </a:schemeClr>
+          </a:lnRef>
+          <a:fillRef idx="1">
+            <a:schemeClr val="accent1"/>
+          </a:fillRef>
+          <a:effectRef idx="0">
+            <a:schemeClr val="accent1"/>
+          </a:effectRef>
+          <a:fontRef idx="minor">
+            <a:schemeClr val="lt1"/>
+          </a:fontRef>
+        </p:style>
+        <p:txBody>
+          <a:bodyPr rtlCol="0" anchor="ctr"/>
+          <a:lstStyle/>
+          <a:p>
+            <a:pPr algn="ctr"/>
+            <a:r>
+              <a:rPr lang="en-US" dirty="0"/>
+              <a:t>C</a:t>
+            </a:r>
+            <a:endParaRPr lang="en-DE" dirty="0"/>
+          </a:p>
+        </p:txBody>
+      </p:sp>
+      <p:sp>
+        <p:nvSpPr>
+          <p:cNvPr id="123" name="Oval 122">
+            <a:extLst>
+              <a:ext uri="{FF2B5EF4-FFF2-40B4-BE49-F238E27FC236}">
+                <a16:creationId xmlns:a16="http://schemas.microsoft.com/office/drawing/2014/main" id="{0B2BA84E-6D16-482D-BC82-045AFBFFFDB7}"/>
+              </a:ext>
+            </a:extLst>
+          </p:cNvPr>
+          <p:cNvSpPr/>
+          <p:nvPr/>
+        </p:nvSpPr>
+        <p:spPr>
+          <a:xfrm>
+            <a:off x="8722208" y="3374758"/>
+            <a:ext cx="295705" cy="295705"/>
+          </a:xfrm>
+          <a:prstGeom prst="ellipse">
+            <a:avLst/>
+          </a:prstGeom>
+          <a:solidFill>
+            <a:schemeClr val="accent6"/>
+          </a:solidFill>
+          <a:ln w="28575">
+            <a:solidFill>
+              <a:schemeClr val="accent6">
+                <a:lumMod val="75000"/>
+              </a:schemeClr>
+            </a:solidFill>
+          </a:ln>
+        </p:spPr>
+        <p:style>
+          <a:lnRef idx="2">
+            <a:schemeClr val="accent1">
+              <a:shade val="50000"/>
+            </a:schemeClr>
+          </a:lnRef>
+          <a:fillRef idx="1">
+            <a:schemeClr val="accent1"/>
+          </a:fillRef>
+          <a:effectRef idx="0">
+            <a:schemeClr val="accent1"/>
+          </a:effectRef>
+          <a:fontRef idx="minor">
+            <a:schemeClr val="lt1"/>
+          </a:fontRef>
+        </p:style>
+        <p:txBody>
+          <a:bodyPr rtlCol="0" anchor="ctr"/>
+          <a:lstStyle/>
+          <a:p>
+            <a:pPr algn="ctr"/>
+            <a:r>
+              <a:rPr lang="en-US" dirty="0"/>
+              <a:t>D</a:t>
+            </a:r>
+            <a:endParaRPr lang="en-DE" dirty="0"/>
+          </a:p>
+        </p:txBody>
+      </p:sp>
+      <p:sp>
+        <p:nvSpPr>
+          <p:cNvPr id="126" name="Oval 125">
+            <a:extLst>
+              <a:ext uri="{FF2B5EF4-FFF2-40B4-BE49-F238E27FC236}">
+                <a16:creationId xmlns:a16="http://schemas.microsoft.com/office/drawing/2014/main" id="{8ECF2B8B-8566-49F7-94B6-FD8EF99DBC42}"/>
+              </a:ext>
+            </a:extLst>
+          </p:cNvPr>
+          <p:cNvSpPr/>
+          <p:nvPr/>
+        </p:nvSpPr>
+        <p:spPr>
+          <a:xfrm>
+            <a:off x="2783569" y="4817102"/>
+            <a:ext cx="295705" cy="295705"/>
+          </a:xfrm>
+          <a:prstGeom prst="ellipse">
+            <a:avLst/>
+          </a:prstGeom>
+          <a:solidFill>
+            <a:schemeClr val="accent6"/>
+          </a:solidFill>
+          <a:ln w="28575">
+            <a:solidFill>
+              <a:schemeClr val="accent6">
+                <a:lumMod val="75000"/>
+              </a:schemeClr>
+            </a:solidFill>
+          </a:ln>
+        </p:spPr>
+        <p:style>
+          <a:lnRef idx="2">
+            <a:schemeClr val="accent1">
+              <a:shade val="50000"/>
+            </a:schemeClr>
+          </a:lnRef>
+          <a:fillRef idx="1">
+            <a:schemeClr val="accent1"/>
+          </a:fillRef>
+          <a:effectRef idx="0">
+            <a:schemeClr val="accent1"/>
+          </a:effectRef>
+          <a:fontRef idx="minor">
+            <a:schemeClr val="lt1"/>
+          </a:fontRef>
+        </p:style>
+        <p:txBody>
+          <a:bodyPr rtlCol="0" anchor="ctr"/>
+          <a:lstStyle/>
+          <a:p>
+            <a:pPr algn="ctr"/>
+            <a:r>
+              <a:rPr lang="en-US" dirty="0"/>
+              <a:t>A</a:t>
+            </a:r>
+            <a:endParaRPr lang="en-DE" dirty="0"/>
+          </a:p>
+        </p:txBody>
+      </p:sp>
+      <p:sp>
+        <p:nvSpPr>
+          <p:cNvPr id="127" name="Oval 126">
+            <a:extLst>
+              <a:ext uri="{FF2B5EF4-FFF2-40B4-BE49-F238E27FC236}">
+                <a16:creationId xmlns:a16="http://schemas.microsoft.com/office/drawing/2014/main" id="{707249DA-D3CE-4820-9877-B86A3AC1A20A}"/>
+              </a:ext>
+            </a:extLst>
+          </p:cNvPr>
+          <p:cNvSpPr/>
+          <p:nvPr/>
+        </p:nvSpPr>
+        <p:spPr>
+          <a:xfrm>
+            <a:off x="3073913" y="4809009"/>
+            <a:ext cx="295705" cy="295705"/>
+          </a:xfrm>
+          <a:prstGeom prst="ellipse">
+            <a:avLst/>
+          </a:prstGeom>
+          <a:solidFill>
+            <a:schemeClr val="accent6"/>
+          </a:solidFill>
+          <a:ln w="28575">
+            <a:solidFill>
+              <a:schemeClr val="accent6">
+                <a:lumMod val="75000"/>
+              </a:schemeClr>
+            </a:solidFill>
+          </a:ln>
+        </p:spPr>
+        <p:style>
+          <a:lnRef idx="2">
+            <a:schemeClr val="accent1">
+              <a:shade val="50000"/>
+            </a:schemeClr>
+          </a:lnRef>
+          <a:fillRef idx="1">
+            <a:schemeClr val="accent1"/>
+          </a:fillRef>
+          <a:effectRef idx="0">
+            <a:schemeClr val="accent1"/>
+          </a:effectRef>
+          <a:fontRef idx="minor">
+            <a:schemeClr val="lt1"/>
+          </a:fontRef>
+        </p:style>
+        <p:txBody>
+          <a:bodyPr rtlCol="0" anchor="ctr"/>
+          <a:lstStyle/>
+          <a:p>
+            <a:pPr algn="ctr"/>
+            <a:r>
+              <a:rPr lang="en-US" dirty="0"/>
+              <a:t>A</a:t>
+            </a:r>
+            <a:endParaRPr lang="en-DE" dirty="0"/>
+          </a:p>
+        </p:txBody>
+      </p:sp>
+      <p:sp>
+        <p:nvSpPr>
+          <p:cNvPr id="125" name="Oval 124">
+            <a:extLst>
+              <a:ext uri="{FF2B5EF4-FFF2-40B4-BE49-F238E27FC236}">
+                <a16:creationId xmlns:a16="http://schemas.microsoft.com/office/drawing/2014/main" id="{D7330395-E99F-4020-9DEE-6B781DA1660B}"/>
+              </a:ext>
+            </a:extLst>
+          </p:cNvPr>
+          <p:cNvSpPr/>
+          <p:nvPr/>
+        </p:nvSpPr>
+        <p:spPr>
+          <a:xfrm>
+            <a:off x="3341156" y="4800916"/>
+            <a:ext cx="295705" cy="295705"/>
+          </a:xfrm>
+          <a:prstGeom prst="ellipse">
+            <a:avLst/>
+          </a:prstGeom>
+          <a:solidFill>
+            <a:schemeClr val="accent6"/>
+          </a:solidFill>
+          <a:ln w="28575">
+            <a:solidFill>
+              <a:schemeClr val="accent6">
+                <a:lumMod val="75000"/>
+              </a:schemeClr>
+            </a:solidFill>
+          </a:ln>
+        </p:spPr>
+        <p:style>
+          <a:lnRef idx="2">
+            <a:schemeClr val="accent1">
+              <a:shade val="50000"/>
+            </a:schemeClr>
+          </a:lnRef>
+          <a:fillRef idx="1">
+            <a:schemeClr val="accent1"/>
+          </a:fillRef>
+          <a:effectRef idx="0">
+            <a:schemeClr val="accent1"/>
+          </a:effectRef>
+          <a:fontRef idx="minor">
+            <a:schemeClr val="lt1"/>
+          </a:fontRef>
+        </p:style>
+        <p:txBody>
+          <a:bodyPr rtlCol="0" anchor="ctr"/>
+          <a:lstStyle/>
+          <a:p>
+            <a:pPr algn="ctr"/>
+            <a:r>
+              <a:rPr lang="en-US" dirty="0"/>
+              <a:t>A</a:t>
+            </a:r>
+            <a:endParaRPr lang="en-DE" dirty="0"/>
+          </a:p>
+        </p:txBody>
+      </p:sp>
+      <p:sp>
+        <p:nvSpPr>
+          <p:cNvPr id="128" name="Oval 127">
+            <a:extLst>
+              <a:ext uri="{FF2B5EF4-FFF2-40B4-BE49-F238E27FC236}">
+                <a16:creationId xmlns:a16="http://schemas.microsoft.com/office/drawing/2014/main" id="{F581D7C7-673F-473B-9AAD-FE3B06502AC4}"/>
+              </a:ext>
+            </a:extLst>
+          </p:cNvPr>
+          <p:cNvSpPr/>
+          <p:nvPr/>
+        </p:nvSpPr>
+        <p:spPr>
+          <a:xfrm>
+            <a:off x="5941362" y="4809009"/>
+            <a:ext cx="295705" cy="295705"/>
+          </a:xfrm>
+          <a:prstGeom prst="ellipse">
+            <a:avLst/>
+          </a:prstGeom>
+          <a:solidFill>
+            <a:schemeClr val="accent6"/>
+          </a:solidFill>
+          <a:ln w="28575">
+            <a:solidFill>
+              <a:schemeClr val="accent6">
+                <a:lumMod val="75000"/>
+              </a:schemeClr>
+            </a:solidFill>
+          </a:ln>
+        </p:spPr>
+        <p:style>
+          <a:lnRef idx="2">
+            <a:schemeClr val="accent1">
+              <a:shade val="50000"/>
+            </a:schemeClr>
+          </a:lnRef>
+          <a:fillRef idx="1">
+            <a:schemeClr val="accent1"/>
+          </a:fillRef>
+          <a:effectRef idx="0">
+            <a:schemeClr val="accent1"/>
+          </a:effectRef>
+          <a:fontRef idx="minor">
+            <a:schemeClr val="lt1"/>
+          </a:fontRef>
+        </p:style>
+        <p:txBody>
+          <a:bodyPr rtlCol="0" anchor="ctr"/>
+          <a:lstStyle/>
+          <a:p>
+            <a:pPr algn="ctr"/>
+            <a:r>
+              <a:rPr lang="en-US" dirty="0"/>
+              <a:t>B</a:t>
+            </a:r>
+            <a:endParaRPr lang="en-DE" dirty="0"/>
+          </a:p>
+        </p:txBody>
+      </p:sp>
+      <p:sp>
+        <p:nvSpPr>
+          <p:cNvPr id="129" name="Oval 128">
+            <a:extLst>
+              <a:ext uri="{FF2B5EF4-FFF2-40B4-BE49-F238E27FC236}">
+                <a16:creationId xmlns:a16="http://schemas.microsoft.com/office/drawing/2014/main" id="{7094EEEE-5DDA-4757-BC24-A7AD85EC8E01}"/>
+              </a:ext>
+            </a:extLst>
+          </p:cNvPr>
+          <p:cNvSpPr/>
+          <p:nvPr/>
+        </p:nvSpPr>
+        <p:spPr>
+          <a:xfrm>
+            <a:off x="7188532" y="4809436"/>
+            <a:ext cx="276767" cy="295705"/>
+          </a:xfrm>
+          <a:prstGeom prst="ellipse">
+            <a:avLst/>
+          </a:prstGeom>
+          <a:solidFill>
+            <a:schemeClr val="accent6"/>
+          </a:solidFill>
+          <a:ln w="28575">
+            <a:solidFill>
+              <a:schemeClr val="accent6">
+                <a:lumMod val="75000"/>
+              </a:schemeClr>
+            </a:solidFill>
+          </a:ln>
+        </p:spPr>
+        <p:style>
+          <a:lnRef idx="2">
+            <a:schemeClr val="accent1">
+              <a:shade val="50000"/>
+            </a:schemeClr>
+          </a:lnRef>
+          <a:fillRef idx="1">
+            <a:schemeClr val="accent1"/>
+          </a:fillRef>
+          <a:effectRef idx="0">
+            <a:schemeClr val="accent1"/>
+          </a:effectRef>
+          <a:fontRef idx="minor">
+            <a:schemeClr val="lt1"/>
+          </a:fontRef>
+        </p:style>
+        <p:txBody>
+          <a:bodyPr rtlCol="0" anchor="ctr"/>
+          <a:lstStyle/>
+          <a:p>
+            <a:pPr algn="ctr"/>
+            <a:r>
+              <a:rPr lang="en-US" dirty="0"/>
+              <a:t>C</a:t>
+            </a:r>
+            <a:endParaRPr lang="en-DE" dirty="0"/>
+          </a:p>
+        </p:txBody>
+      </p:sp>
+      <p:sp>
+        <p:nvSpPr>
+          <p:cNvPr id="130" name="Oval 129">
+            <a:extLst>
+              <a:ext uri="{FF2B5EF4-FFF2-40B4-BE49-F238E27FC236}">
+                <a16:creationId xmlns:a16="http://schemas.microsoft.com/office/drawing/2014/main" id="{D2D03069-CC9D-4A75-A0D3-FCB9B279A82D}"/>
+              </a:ext>
+            </a:extLst>
+          </p:cNvPr>
+          <p:cNvSpPr/>
+          <p:nvPr/>
+        </p:nvSpPr>
+        <p:spPr>
+          <a:xfrm>
+            <a:off x="8102123" y="4800915"/>
+            <a:ext cx="276767" cy="295705"/>
+          </a:xfrm>
+          <a:prstGeom prst="ellipse">
+            <a:avLst/>
+          </a:prstGeom>
+          <a:solidFill>
+            <a:schemeClr val="accent6"/>
+          </a:solidFill>
+          <a:ln w="28575">
+            <a:solidFill>
+              <a:schemeClr val="accent6">
+                <a:lumMod val="75000"/>
+              </a:schemeClr>
+            </a:solidFill>
+          </a:ln>
+        </p:spPr>
+        <p:style>
+          <a:lnRef idx="2">
+            <a:schemeClr val="accent1">
+              <a:shade val="50000"/>
+            </a:schemeClr>
+          </a:lnRef>
+          <a:fillRef idx="1">
+            <a:schemeClr val="accent1"/>
+          </a:fillRef>
+          <a:effectRef idx="0">
+            <a:schemeClr val="accent1"/>
+          </a:effectRef>
+          <a:fontRef idx="minor">
+            <a:schemeClr val="lt1"/>
+          </a:fontRef>
+        </p:style>
+        <p:txBody>
+          <a:bodyPr rtlCol="0" anchor="ctr"/>
+          <a:lstStyle/>
+          <a:p>
+            <a:pPr algn="ctr"/>
+            <a:r>
+              <a:rPr lang="en-US" dirty="0"/>
+              <a:t>C</a:t>
+            </a:r>
+            <a:endParaRPr lang="en-DE" dirty="0"/>
+          </a:p>
+        </p:txBody>
+      </p:sp>
+      <p:sp>
+        <p:nvSpPr>
+          <p:cNvPr id="131" name="Oval 130">
+            <a:extLst>
+              <a:ext uri="{FF2B5EF4-FFF2-40B4-BE49-F238E27FC236}">
+                <a16:creationId xmlns:a16="http://schemas.microsoft.com/office/drawing/2014/main" id="{286F1596-5BF8-4251-B803-E0D53C944BF1}"/>
+              </a:ext>
+            </a:extLst>
+          </p:cNvPr>
+          <p:cNvSpPr/>
+          <p:nvPr/>
+        </p:nvSpPr>
+        <p:spPr>
+          <a:xfrm>
+            <a:off x="8722208" y="4799396"/>
+            <a:ext cx="295705" cy="295705"/>
+          </a:xfrm>
+          <a:prstGeom prst="ellipse">
+            <a:avLst/>
+          </a:prstGeom>
+          <a:solidFill>
+            <a:schemeClr val="accent6"/>
+          </a:solidFill>
+          <a:ln w="28575">
+            <a:solidFill>
+              <a:schemeClr val="accent6">
+                <a:lumMod val="75000"/>
+              </a:schemeClr>
+            </a:solidFill>
+          </a:ln>
+        </p:spPr>
+        <p:style>
+          <a:lnRef idx="2">
+            <a:schemeClr val="accent1">
+              <a:shade val="50000"/>
+            </a:schemeClr>
+          </a:lnRef>
+          <a:fillRef idx="1">
+            <a:schemeClr val="accent1"/>
+          </a:fillRef>
+          <a:effectRef idx="0">
+            <a:schemeClr val="accent1"/>
+          </a:effectRef>
+          <a:fontRef idx="minor">
+            <a:schemeClr val="lt1"/>
+          </a:fontRef>
+        </p:style>
+        <p:txBody>
+          <a:bodyPr rtlCol="0" anchor="ctr"/>
+          <a:lstStyle/>
+          <a:p>
+            <a:pPr algn="ctr"/>
+            <a:r>
+              <a:rPr lang="en-US" dirty="0"/>
+              <a:t>D</a:t>
+            </a:r>
+            <a:endParaRPr lang="en-DE" dirty="0"/>
+          </a:p>
+        </p:txBody>
+      </p:sp>
+      <p:sp>
+        <p:nvSpPr>
+          <p:cNvPr id="132" name="Oval 131">
+            <a:extLst>
+              <a:ext uri="{FF2B5EF4-FFF2-40B4-BE49-F238E27FC236}">
+                <a16:creationId xmlns:a16="http://schemas.microsoft.com/office/drawing/2014/main" id="{CD07A946-033B-4CED-9DF7-BD56ADB0A410}"/>
+              </a:ext>
+            </a:extLst>
+          </p:cNvPr>
+          <p:cNvSpPr/>
+          <p:nvPr/>
+        </p:nvSpPr>
+        <p:spPr>
+          <a:xfrm>
+            <a:off x="9478457" y="4810983"/>
+            <a:ext cx="295705" cy="295705"/>
+          </a:xfrm>
+          <a:prstGeom prst="ellipse">
+            <a:avLst/>
+          </a:prstGeom>
+          <a:solidFill>
+            <a:schemeClr val="accent6"/>
+          </a:solidFill>
+          <a:ln w="28575">
+            <a:solidFill>
+              <a:schemeClr val="accent6">
+                <a:lumMod val="75000"/>
+              </a:schemeClr>
+            </a:solidFill>
+          </a:ln>
+        </p:spPr>
+        <p:style>
+          <a:lnRef idx="2">
+            <a:schemeClr val="accent1">
+              <a:shade val="50000"/>
+            </a:schemeClr>
+          </a:lnRef>
+          <a:fillRef idx="1">
+            <a:schemeClr val="accent1"/>
+          </a:fillRef>
+          <a:effectRef idx="0">
+            <a:schemeClr val="accent1"/>
+          </a:effectRef>
+          <a:fontRef idx="minor">
+            <a:schemeClr val="lt1"/>
+          </a:fontRef>
+        </p:style>
+        <p:txBody>
+          <a:bodyPr rtlCol="0" anchor="ctr"/>
+          <a:lstStyle/>
+          <a:p>
+            <a:pPr algn="ctr"/>
+            <a:r>
+              <a:rPr lang="en-US" dirty="0"/>
+              <a:t>D</a:t>
+            </a:r>
+            <a:endParaRPr lang="en-DE" dirty="0"/>
+          </a:p>
+        </p:txBody>
+      </p:sp>
+      <p:sp>
+        <p:nvSpPr>
+          <p:cNvPr id="143" name="Right Brace 142">
+            <a:extLst>
+              <a:ext uri="{FF2B5EF4-FFF2-40B4-BE49-F238E27FC236}">
+                <a16:creationId xmlns:a16="http://schemas.microsoft.com/office/drawing/2014/main" id="{38D5DEA1-B68E-4811-ABB1-11F3774587D6}"/>
+              </a:ext>
+            </a:extLst>
+          </p:cNvPr>
+          <p:cNvSpPr/>
+          <p:nvPr/>
+        </p:nvSpPr>
+        <p:spPr>
+          <a:xfrm>
+            <a:off x="10401152" y="3184290"/>
+            <a:ext cx="243211" cy="1277717"/>
+          </a:xfrm>
+          <a:prstGeom prst="rightBrace">
+            <a:avLst/>
+          </a:prstGeom>
+          <a:ln>
+            <a:solidFill>
+              <a:schemeClr val="tx1"/>
+            </a:solidFill>
+          </a:ln>
+        </p:spPr>
+        <p:style>
+          <a:lnRef idx="1">
+            <a:schemeClr val="accent1"/>
+          </a:lnRef>
+          <a:fillRef idx="0">
+            <a:schemeClr val="accent1"/>
+          </a:fillRef>
+          <a:effectRef idx="0">
+            <a:schemeClr val="accent1"/>
+          </a:effectRef>
+          <a:fontRef idx="minor">
+            <a:schemeClr val="tx1"/>
+          </a:fontRef>
+        </p:style>
+        <p:txBody>
+          <a:bodyPr rtlCol="0" anchor="ctr"/>
+          <a:lstStyle/>
+          <a:p>
+            <a:pPr algn="ctr"/>
+            <a:endParaRPr lang="en-DE"/>
+          </a:p>
+        </p:txBody>
+      </p:sp>
+      <p:sp>
+        <p:nvSpPr>
+          <p:cNvPr id="144" name="TextBox 143">
+            <a:extLst>
+              <a:ext uri="{FF2B5EF4-FFF2-40B4-BE49-F238E27FC236}">
+                <a16:creationId xmlns:a16="http://schemas.microsoft.com/office/drawing/2014/main" id="{FC96456A-73A4-4555-BFF1-BFA13F5D3752}"/>
+              </a:ext>
+            </a:extLst>
+          </p:cNvPr>
+          <p:cNvSpPr txBox="1"/>
+          <p:nvPr/>
+        </p:nvSpPr>
+        <p:spPr>
+          <a:xfrm rot="16200000">
+            <a:off x="10266564" y="3574498"/>
+            <a:ext cx="1211550" cy="307777"/>
+          </a:xfrm>
+          <a:prstGeom prst="rect">
+            <a:avLst/>
+          </a:prstGeom>
+          <a:noFill/>
+        </p:spPr>
+        <p:txBody>
+          <a:bodyPr wrap="none" rtlCol="0">
+            <a:spAutoFit/>
+          </a:bodyPr>
+          <a:lstStyle/>
+          <a:p>
+            <a:r>
+              <a:rPr lang="en-US" sz="1400" dirty="0"/>
+              <a:t>batch-handler</a:t>
+            </a:r>
+            <a:endParaRPr lang="en-DE" sz="1400" dirty="0"/>
+          </a:p>
+        </p:txBody>
+      </p:sp>
+    </p:spTree>
+    <p:extLst>
+      <p:ext uri="{BB962C8B-B14F-4D97-AF65-F5344CB8AC3E}">
+        <p14:creationId xmlns:p14="http://schemas.microsoft.com/office/powerpoint/2010/main" val="1185249752"/>
+      </p:ext>
+    </p:extLst>
+  </p:cSld>
+  <p:clrMapOvr>
+    <a:masterClrMapping/>
+  </p:clrMapOvr>
+</p:sld>
+</file>
+
 <file path=ppt/theme/theme1.xml><?xml version="1.0" encoding="utf-8"?>
 <a:theme xmlns:a="http://schemas.openxmlformats.org/drawingml/2006/main" name="Office Theme">
   <a:themeElements>
